--- a/Fase_2/Evidencias_Proyecto/Presentación Proyecto.pptx
+++ b/Fase_2/Evidencias_Proyecto/Presentación Proyecto.pptx
@@ -26,6 +26,12 @@
     <p:sldId id="271" r:id="rId20"/>
     <p:sldId id="272" r:id="rId21"/>
     <p:sldId id="273" r:id="rId22"/>
+    <p:sldId id="274" r:id="rId23"/>
+    <p:sldId id="275" r:id="rId24"/>
+    <p:sldId id="276" r:id="rId25"/>
+    <p:sldId id="277" r:id="rId26"/>
+    <p:sldId id="278" r:id="rId27"/>
+    <p:sldId id="279" r:id="rId28"/>
   </p:sldIdLst>
   <p:sldSz cy="6858000" cx="12192000"/>
   <p:notesSz cx="6858000" cy="9144000"/>
@@ -260,7 +266,7 @@
   </p:defaultTextStyle>
   <p:extLst>
     <p:ext uri="GoogleSlidesCustomDataVersion2">
-      <go:slidesCustomData xmlns:go="http://customooxmlschemas.google.com/" r:id="rId23" roundtripDataSignature="AMtx7mgZJjIMOHT3luzH+gtJN6bIv5Z2OQ=="/>
+      <go:slidesCustomData xmlns:go="http://customooxmlschemas.google.com/" r:id="rId29" roundtripDataSignature="AMtx7mi27FDh3D+a4PuWN/tJE8KKmQ9hUg=="/>
     </p:ext>
   </p:extLst>
 </p:presentation>
@@ -810,7 +816,7 @@
       </p:grpSpPr>
       <p:sp>
         <p:nvSpPr>
-          <p:cNvPr id="172" name="Google Shape;172;p8:notes"/>
+          <p:cNvPr id="172" name="Google Shape;172;g30c6cb7589a_0_6:notes"/>
           <p:cNvSpPr txBox="1"/>
           <p:nvPr>
             <p:ph idx="1" type="body"/>
@@ -849,7 +855,7 @@
       </p:sp>
       <p:sp>
         <p:nvSpPr>
-          <p:cNvPr id="173" name="Google Shape;173;p8:notes"/>
+          <p:cNvPr id="173" name="Google Shape;173;g30c6cb7589a_0_6:notes"/>
           <p:cNvSpPr/>
           <p:nvPr>
             <p:ph idx="2" type="sldImg"/>
@@ -858,7 +864,7 @@
         <p:spPr>
           <a:xfrm>
             <a:off x="1143225" y="685800"/>
-            <a:ext cx="4572225" cy="3429000"/>
+            <a:ext cx="4572300" cy="3429000"/>
           </a:xfrm>
           <a:custGeom>
             <a:rect b="b" l="l" r="r" t="t"/>
@@ -909,7 +915,7 @@
       </p:grpSpPr>
       <p:sp>
         <p:nvSpPr>
-          <p:cNvPr id="181" name="Google Shape;181;g30c6cb7589a_0_6:notes"/>
+          <p:cNvPr id="181" name="Google Shape;181;g316ec9e5039_1_5:notes"/>
           <p:cNvSpPr txBox="1"/>
           <p:nvPr>
             <p:ph idx="1" type="body"/>
@@ -948,7 +954,7 @@
       </p:sp>
       <p:sp>
         <p:nvSpPr>
-          <p:cNvPr id="182" name="Google Shape;182;g30c6cb7589a_0_6:notes"/>
+          <p:cNvPr id="182" name="Google Shape;182;g316ec9e5039_1_5:notes"/>
           <p:cNvSpPr/>
           <p:nvPr>
             <p:ph idx="2" type="sldImg"/>
@@ -1093,7 +1099,7 @@
   <p:cSld>
     <p:spTree>
       <p:nvGrpSpPr>
-        <p:cNvPr id="206" name="Shape 206"/>
+        <p:cNvPr id="205" name="Shape 205"/>
         <p:cNvGrpSpPr/>
         <p:nvPr/>
       </p:nvGrpSpPr>
@@ -1107,7 +1113,7 @@
       </p:grpSpPr>
       <p:sp>
         <p:nvSpPr>
-          <p:cNvPr id="207" name="Google Shape;207;p9:notes"/>
+          <p:cNvPr id="206" name="Google Shape;206;p9:notes"/>
           <p:cNvSpPr txBox="1"/>
           <p:nvPr>
             <p:ph idx="1" type="body"/>
@@ -1146,7 +1152,7 @@
       </p:sp>
       <p:sp>
         <p:nvSpPr>
-          <p:cNvPr id="208" name="Google Shape;208;p9:notes"/>
+          <p:cNvPr id="207" name="Google Shape;207;p9:notes"/>
           <p:cNvSpPr/>
           <p:nvPr>
             <p:ph idx="2" type="sldImg"/>
@@ -1192,7 +1198,7 @@
   <p:cSld>
     <p:spTree>
       <p:nvGrpSpPr>
-        <p:cNvPr id="217" name="Shape 217"/>
+        <p:cNvPr id="216" name="Shape 216"/>
         <p:cNvGrpSpPr/>
         <p:nvPr/>
       </p:nvGrpSpPr>
@@ -1206,7 +1212,7 @@
       </p:grpSpPr>
       <p:sp>
         <p:nvSpPr>
-          <p:cNvPr id="218" name="Google Shape;218;p11:notes"/>
+          <p:cNvPr id="217" name="Google Shape;217;p11:notes"/>
           <p:cNvSpPr txBox="1"/>
           <p:nvPr>
             <p:ph idx="1" type="body"/>
@@ -1245,7 +1251,7 @@
       </p:sp>
       <p:sp>
         <p:nvSpPr>
-          <p:cNvPr id="219" name="Google Shape;219;p11:notes"/>
+          <p:cNvPr id="218" name="Google Shape;218;p11:notes"/>
           <p:cNvSpPr/>
           <p:nvPr>
             <p:ph idx="2" type="sldImg"/>
@@ -1291,7 +1297,7 @@
   <p:cSld>
     <p:spTree>
       <p:nvGrpSpPr>
-        <p:cNvPr id="226" name="Shape 226"/>
+        <p:cNvPr id="225" name="Shape 225"/>
         <p:cNvGrpSpPr/>
         <p:nvPr/>
       </p:nvGrpSpPr>
@@ -1305,46 +1311,7 @@
       </p:grpSpPr>
       <p:sp>
         <p:nvSpPr>
-          <p:cNvPr id="227" name="Google Shape;227;p12:notes"/>
-          <p:cNvSpPr txBox="1"/>
-          <p:nvPr>
-            <p:ph idx="1" type="body"/>
-          </p:nvPr>
-        </p:nvSpPr>
-        <p:spPr>
-          <a:xfrm>
-            <a:off x="685800" y="4343400"/>
-            <a:ext cx="5486400" cy="4114800"/>
-          </a:xfrm>
-          <a:prstGeom prst="rect">
-            <a:avLst/>
-          </a:prstGeom>
-        </p:spPr>
-        <p:txBody>
-          <a:bodyPr anchorCtr="0" anchor="t" bIns="91425" lIns="91425" spcFirstLastPara="1" rIns="91425" wrap="square" tIns="91425">
-            <a:noAutofit/>
-          </a:bodyPr>
-          <a:lstStyle/>
-          <a:p>
-            <a:pPr indent="0" lvl="0" marL="0" rtl="0" algn="l">
-              <a:spcBef>
-                <a:spcPts val="0"/>
-              </a:spcBef>
-              <a:spcAft>
-                <a:spcPts val="0"/>
-              </a:spcAft>
-              <a:buNone/>
-            </a:pPr>
-            <a:r>
-              <a:t/>
-            </a:r>
-            <a:endParaRPr/>
-          </a:p>
-        </p:txBody>
-      </p:sp>
-      <p:sp>
-        <p:nvSpPr>
-          <p:cNvPr id="228" name="Google Shape;228;p12:notes"/>
+          <p:cNvPr id="226" name="Google Shape;226;g316ec9e5039_0_1:notes"/>
           <p:cNvSpPr/>
           <p:nvPr>
             <p:ph idx="2" type="sldImg"/>
@@ -1353,7 +1320,7 @@
         <p:spPr>
           <a:xfrm>
             <a:off x="1143225" y="685800"/>
-            <a:ext cx="4572225" cy="3429000"/>
+            <a:ext cx="4572300" cy="3429000"/>
           </a:xfrm>
           <a:custGeom>
             <a:rect b="b" l="l" r="r" t="t"/>
@@ -1377,6 +1344,45 @@
           </a:custGeom>
         </p:spPr>
       </p:sp>
+      <p:sp>
+        <p:nvSpPr>
+          <p:cNvPr id="227" name="Google Shape;227;g316ec9e5039_0_1:notes"/>
+          <p:cNvSpPr txBox="1"/>
+          <p:nvPr>
+            <p:ph idx="1" type="body"/>
+          </p:nvPr>
+        </p:nvSpPr>
+        <p:spPr>
+          <a:xfrm>
+            <a:off x="685800" y="4343400"/>
+            <a:ext cx="5486400" cy="4114800"/>
+          </a:xfrm>
+          <a:prstGeom prst="rect">
+            <a:avLst/>
+          </a:prstGeom>
+        </p:spPr>
+        <p:txBody>
+          <a:bodyPr anchorCtr="0" anchor="t" bIns="91425" lIns="91425" spcFirstLastPara="1" rIns="91425" wrap="square" tIns="91425">
+            <a:noAutofit/>
+          </a:bodyPr>
+          <a:lstStyle/>
+          <a:p>
+            <a:pPr indent="0" lvl="0" marL="0" rtl="0" algn="l">
+              <a:spcBef>
+                <a:spcPts val="0"/>
+              </a:spcBef>
+              <a:spcAft>
+                <a:spcPts val="0"/>
+              </a:spcAft>
+              <a:buNone/>
+            </a:pPr>
+            <a:r>
+              <a:t/>
+            </a:r>
+            <a:endParaRPr/>
+          </a:p>
+        </p:txBody>
+      </p:sp>
     </p:spTree>
   </p:cSld>
   <p:clrMapOvr>
@@ -1390,7 +1396,7 @@
   <p:cSld>
     <p:spTree>
       <p:nvGrpSpPr>
-        <p:cNvPr id="232" name="Shape 232"/>
+        <p:cNvPr id="231" name="Shape 231"/>
         <p:cNvGrpSpPr/>
         <p:nvPr/>
       </p:nvGrpSpPr>
@@ -1404,46 +1410,7 @@
       </p:grpSpPr>
       <p:sp>
         <p:nvSpPr>
-          <p:cNvPr id="233" name="Google Shape;233;p13:notes"/>
-          <p:cNvSpPr txBox="1"/>
-          <p:nvPr>
-            <p:ph idx="1" type="body"/>
-          </p:nvPr>
-        </p:nvSpPr>
-        <p:spPr>
-          <a:xfrm>
-            <a:off x="685800" y="4343400"/>
-            <a:ext cx="5486400" cy="4114800"/>
-          </a:xfrm>
-          <a:prstGeom prst="rect">
-            <a:avLst/>
-          </a:prstGeom>
-        </p:spPr>
-        <p:txBody>
-          <a:bodyPr anchorCtr="0" anchor="t" bIns="91425" lIns="91425" spcFirstLastPara="1" rIns="91425" wrap="square" tIns="91425">
-            <a:noAutofit/>
-          </a:bodyPr>
-          <a:lstStyle/>
-          <a:p>
-            <a:pPr indent="0" lvl="0" marL="0" rtl="0" algn="l">
-              <a:spcBef>
-                <a:spcPts val="0"/>
-              </a:spcBef>
-              <a:spcAft>
-                <a:spcPts val="0"/>
-              </a:spcAft>
-              <a:buNone/>
-            </a:pPr>
-            <a:r>
-              <a:t/>
-            </a:r>
-            <a:endParaRPr/>
-          </a:p>
-        </p:txBody>
-      </p:sp>
-      <p:sp>
-        <p:nvSpPr>
-          <p:cNvPr id="234" name="Google Shape;234;p13:notes"/>
+          <p:cNvPr id="232" name="Google Shape;232;g316ec9e5039_0_12:notes"/>
           <p:cNvSpPr/>
           <p:nvPr>
             <p:ph idx="2" type="sldImg"/>
@@ -1452,7 +1419,7 @@
         <p:spPr>
           <a:xfrm>
             <a:off x="1143225" y="685800"/>
-            <a:ext cx="4572225" cy="3429000"/>
+            <a:ext cx="4572300" cy="3429000"/>
           </a:xfrm>
           <a:custGeom>
             <a:rect b="b" l="l" r="r" t="t"/>
@@ -1476,6 +1443,45 @@
           </a:custGeom>
         </p:spPr>
       </p:sp>
+      <p:sp>
+        <p:nvSpPr>
+          <p:cNvPr id="233" name="Google Shape;233;g316ec9e5039_0_12:notes"/>
+          <p:cNvSpPr txBox="1"/>
+          <p:nvPr>
+            <p:ph idx="1" type="body"/>
+          </p:nvPr>
+        </p:nvSpPr>
+        <p:spPr>
+          <a:xfrm>
+            <a:off x="685800" y="4343400"/>
+            <a:ext cx="5486400" cy="4114800"/>
+          </a:xfrm>
+          <a:prstGeom prst="rect">
+            <a:avLst/>
+          </a:prstGeom>
+        </p:spPr>
+        <p:txBody>
+          <a:bodyPr anchorCtr="0" anchor="t" bIns="91425" lIns="91425" spcFirstLastPara="1" rIns="91425" wrap="square" tIns="91425">
+            <a:noAutofit/>
+          </a:bodyPr>
+          <a:lstStyle/>
+          <a:p>
+            <a:pPr indent="0" lvl="0" marL="0" rtl="0" algn="l">
+              <a:spcBef>
+                <a:spcPts val="0"/>
+              </a:spcBef>
+              <a:spcAft>
+                <a:spcPts val="0"/>
+              </a:spcAft>
+              <a:buNone/>
+            </a:pPr>
+            <a:r>
+              <a:t/>
+            </a:r>
+            <a:endParaRPr/>
+          </a:p>
+        </p:txBody>
+      </p:sp>
     </p:spTree>
   </p:cSld>
   <p:clrMapOvr>
@@ -1489,7 +1495,7 @@
   <p:cSld>
     <p:spTree>
       <p:nvGrpSpPr>
-        <p:cNvPr id="238" name="Shape 238"/>
+        <p:cNvPr id="237" name="Shape 237"/>
         <p:cNvGrpSpPr/>
         <p:nvPr/>
       </p:nvGrpSpPr>
@@ -1503,46 +1509,7 @@
       </p:grpSpPr>
       <p:sp>
         <p:nvSpPr>
-          <p:cNvPr id="239" name="Google Shape;239;p14:notes"/>
-          <p:cNvSpPr txBox="1"/>
-          <p:nvPr>
-            <p:ph idx="1" type="body"/>
-          </p:nvPr>
-        </p:nvSpPr>
-        <p:spPr>
-          <a:xfrm>
-            <a:off x="685800" y="4343400"/>
-            <a:ext cx="5486400" cy="4114800"/>
-          </a:xfrm>
-          <a:prstGeom prst="rect">
-            <a:avLst/>
-          </a:prstGeom>
-        </p:spPr>
-        <p:txBody>
-          <a:bodyPr anchorCtr="0" anchor="t" bIns="91425" lIns="91425" spcFirstLastPara="1" rIns="91425" wrap="square" tIns="91425">
-            <a:noAutofit/>
-          </a:bodyPr>
-          <a:lstStyle/>
-          <a:p>
-            <a:pPr indent="0" lvl="0" marL="0" rtl="0" algn="l">
-              <a:spcBef>
-                <a:spcPts val="0"/>
-              </a:spcBef>
-              <a:spcAft>
-                <a:spcPts val="0"/>
-              </a:spcAft>
-              <a:buNone/>
-            </a:pPr>
-            <a:r>
-              <a:t/>
-            </a:r>
-            <a:endParaRPr/>
-          </a:p>
-        </p:txBody>
-      </p:sp>
-      <p:sp>
-        <p:nvSpPr>
-          <p:cNvPr id="240" name="Google Shape;240;p14:notes"/>
+          <p:cNvPr id="238" name="Google Shape;238;g316ec9e5039_0_17:notes"/>
           <p:cNvSpPr/>
           <p:nvPr>
             <p:ph idx="2" type="sldImg"/>
@@ -1551,7 +1518,7 @@
         <p:spPr>
           <a:xfrm>
             <a:off x="1143225" y="685800"/>
-            <a:ext cx="4572225" cy="3429000"/>
+            <a:ext cx="4572300" cy="3429000"/>
           </a:xfrm>
           <a:custGeom>
             <a:rect b="b" l="l" r="r" t="t"/>
@@ -1575,6 +1542,45 @@
           </a:custGeom>
         </p:spPr>
       </p:sp>
+      <p:sp>
+        <p:nvSpPr>
+          <p:cNvPr id="239" name="Google Shape;239;g316ec9e5039_0_17:notes"/>
+          <p:cNvSpPr txBox="1"/>
+          <p:nvPr>
+            <p:ph idx="1" type="body"/>
+          </p:nvPr>
+        </p:nvSpPr>
+        <p:spPr>
+          <a:xfrm>
+            <a:off x="685800" y="4343400"/>
+            <a:ext cx="5486400" cy="4114800"/>
+          </a:xfrm>
+          <a:prstGeom prst="rect">
+            <a:avLst/>
+          </a:prstGeom>
+        </p:spPr>
+        <p:txBody>
+          <a:bodyPr anchorCtr="0" anchor="t" bIns="91425" lIns="91425" spcFirstLastPara="1" rIns="91425" wrap="square" tIns="91425">
+            <a:noAutofit/>
+          </a:bodyPr>
+          <a:lstStyle/>
+          <a:p>
+            <a:pPr indent="0" lvl="0" marL="0" rtl="0" algn="l">
+              <a:spcBef>
+                <a:spcPts val="0"/>
+              </a:spcBef>
+              <a:spcAft>
+                <a:spcPts val="0"/>
+              </a:spcAft>
+              <a:buNone/>
+            </a:pPr>
+            <a:r>
+              <a:t/>
+            </a:r>
+            <a:endParaRPr/>
+          </a:p>
+        </p:txBody>
+      </p:sp>
     </p:spTree>
   </p:cSld>
   <p:clrMapOvr>
@@ -1588,7 +1594,7 @@
   <p:cSld>
     <p:spTree>
       <p:nvGrpSpPr>
-        <p:cNvPr id="244" name="Shape 244"/>
+        <p:cNvPr id="243" name="Shape 243"/>
         <p:cNvGrpSpPr/>
         <p:nvPr/>
       </p:nvGrpSpPr>
@@ -1602,46 +1608,7 @@
       </p:grpSpPr>
       <p:sp>
         <p:nvSpPr>
-          <p:cNvPr id="245" name="Google Shape;245;p15:notes"/>
-          <p:cNvSpPr txBox="1"/>
-          <p:nvPr>
-            <p:ph idx="1" type="body"/>
-          </p:nvPr>
-        </p:nvSpPr>
-        <p:spPr>
-          <a:xfrm>
-            <a:off x="685800" y="4343400"/>
-            <a:ext cx="5486400" cy="4114800"/>
-          </a:xfrm>
-          <a:prstGeom prst="rect">
-            <a:avLst/>
-          </a:prstGeom>
-        </p:spPr>
-        <p:txBody>
-          <a:bodyPr anchorCtr="0" anchor="t" bIns="91425" lIns="91425" spcFirstLastPara="1" rIns="91425" wrap="square" tIns="91425">
-            <a:noAutofit/>
-          </a:bodyPr>
-          <a:lstStyle/>
-          <a:p>
-            <a:pPr indent="0" lvl="0" marL="0" rtl="0" algn="l">
-              <a:spcBef>
-                <a:spcPts val="0"/>
-              </a:spcBef>
-              <a:spcAft>
-                <a:spcPts val="0"/>
-              </a:spcAft>
-              <a:buNone/>
-            </a:pPr>
-            <a:r>
-              <a:t/>
-            </a:r>
-            <a:endParaRPr/>
-          </a:p>
-        </p:txBody>
-      </p:sp>
-      <p:sp>
-        <p:nvSpPr>
-          <p:cNvPr id="246" name="Google Shape;246;p15:notes"/>
+          <p:cNvPr id="244" name="Google Shape;244;g316ec9e5039_0_22:notes"/>
           <p:cNvSpPr/>
           <p:nvPr>
             <p:ph idx="2" type="sldImg"/>
@@ -1650,7 +1617,7 @@
         <p:spPr>
           <a:xfrm>
             <a:off x="1143225" y="685800"/>
-            <a:ext cx="4572225" cy="3429000"/>
+            <a:ext cx="4572300" cy="3429000"/>
           </a:xfrm>
           <a:custGeom>
             <a:rect b="b" l="l" r="r" t="t"/>
@@ -1673,6 +1640,144 @@
             </a:pathLst>
           </a:custGeom>
         </p:spPr>
+      </p:sp>
+      <p:sp>
+        <p:nvSpPr>
+          <p:cNvPr id="245" name="Google Shape;245;g316ec9e5039_0_22:notes"/>
+          <p:cNvSpPr txBox="1"/>
+          <p:nvPr>
+            <p:ph idx="1" type="body"/>
+          </p:nvPr>
+        </p:nvSpPr>
+        <p:spPr>
+          <a:xfrm>
+            <a:off x="685800" y="4343400"/>
+            <a:ext cx="5486400" cy="4114800"/>
+          </a:xfrm>
+          <a:prstGeom prst="rect">
+            <a:avLst/>
+          </a:prstGeom>
+        </p:spPr>
+        <p:txBody>
+          <a:bodyPr anchorCtr="0" anchor="t" bIns="91425" lIns="91425" spcFirstLastPara="1" rIns="91425" wrap="square" tIns="91425">
+            <a:noAutofit/>
+          </a:bodyPr>
+          <a:lstStyle/>
+          <a:p>
+            <a:pPr indent="0" lvl="0" marL="0" rtl="0" algn="l">
+              <a:spcBef>
+                <a:spcPts val="0"/>
+              </a:spcBef>
+              <a:spcAft>
+                <a:spcPts val="0"/>
+              </a:spcAft>
+              <a:buNone/>
+            </a:pPr>
+            <a:r>
+              <a:t/>
+            </a:r>
+            <a:endParaRPr/>
+          </a:p>
+        </p:txBody>
+      </p:sp>
+    </p:spTree>
+  </p:cSld>
+  <p:clrMapOvr>
+    <a:masterClrMapping/>
+  </p:clrMapOvr>
+</p:notes>
+</file>
+
+<file path=ppt/notesSlides/notesSlide19.xml><?xml version="1.0" encoding="utf-8"?>
+<p:notes xmlns:a="http://schemas.openxmlformats.org/drawingml/2006/main" xmlns:r="http://schemas.openxmlformats.org/officeDocument/2006/relationships" xmlns:mc="http://schemas.openxmlformats.org/markup-compatibility/2006" xmlns:mv="urn:schemas-microsoft-com:mac:vml" xmlns:p="http://schemas.openxmlformats.org/presentationml/2006/main" xmlns:c="http://schemas.openxmlformats.org/drawingml/2006/chart" xmlns:dgm="http://schemas.openxmlformats.org/drawingml/2006/diagram" xmlns:o="urn:schemas-microsoft-com:office:office" xmlns:v="urn:schemas-microsoft-com:vml" xmlns:pvml="urn:schemas-microsoft-com:office:powerpoint" xmlns:com="http://schemas.openxmlformats.org/drawingml/2006/compatibility" xmlns:p14="http://schemas.microsoft.com/office/powerpoint/2010/main" xmlns:p15="http://schemas.microsoft.com/office/powerpoint/2012/main" xmlns:ahyp="http://schemas.microsoft.com/office/drawing/2018/hyperlinkcolor" showMasterPhAnim="0" showMasterSp="0">
+  <p:cSld>
+    <p:spTree>
+      <p:nvGrpSpPr>
+        <p:cNvPr id="249" name="Shape 249"/>
+        <p:cNvGrpSpPr/>
+        <p:nvPr/>
+      </p:nvGrpSpPr>
+      <p:grpSpPr>
+        <a:xfrm>
+          <a:off x="0" y="0"/>
+          <a:ext cx="0" cy="0"/>
+          <a:chOff x="0" y="0"/>
+          <a:chExt cx="0" cy="0"/>
+        </a:xfrm>
+      </p:grpSpPr>
+      <p:sp>
+        <p:nvSpPr>
+          <p:cNvPr id="250" name="Google Shape;250;g316ec9e5039_0_27:notes"/>
+          <p:cNvSpPr/>
+          <p:nvPr>
+            <p:ph idx="2" type="sldImg"/>
+          </p:nvPr>
+        </p:nvSpPr>
+        <p:spPr>
+          <a:xfrm>
+            <a:off x="1143225" y="685800"/>
+            <a:ext cx="4572300" cy="3429000"/>
+          </a:xfrm>
+          <a:custGeom>
+            <a:rect b="b" l="l" r="r" t="t"/>
+            <a:pathLst>
+              <a:path extrusionOk="0" h="120000" w="120000">
+                <a:moveTo>
+                  <a:pt x="0" y="0"/>
+                </a:moveTo>
+                <a:lnTo>
+                  <a:pt x="120000" y="0"/>
+                </a:lnTo>
+                <a:lnTo>
+                  <a:pt x="120000" y="120000"/>
+                </a:lnTo>
+                <a:lnTo>
+                  <a:pt x="0" y="120000"/>
+                </a:lnTo>
+                <a:close/>
+              </a:path>
+            </a:pathLst>
+          </a:custGeom>
+        </p:spPr>
+      </p:sp>
+      <p:sp>
+        <p:nvSpPr>
+          <p:cNvPr id="251" name="Google Shape;251;g316ec9e5039_0_27:notes"/>
+          <p:cNvSpPr txBox="1"/>
+          <p:nvPr>
+            <p:ph idx="1" type="body"/>
+          </p:nvPr>
+        </p:nvSpPr>
+        <p:spPr>
+          <a:xfrm>
+            <a:off x="685800" y="4343400"/>
+            <a:ext cx="5486400" cy="4114800"/>
+          </a:xfrm>
+          <a:prstGeom prst="rect">
+            <a:avLst/>
+          </a:prstGeom>
+        </p:spPr>
+        <p:txBody>
+          <a:bodyPr anchorCtr="0" anchor="t" bIns="91425" lIns="91425" spcFirstLastPara="1" rIns="91425" wrap="square" tIns="91425">
+            <a:noAutofit/>
+          </a:bodyPr>
+          <a:lstStyle/>
+          <a:p>
+            <a:pPr indent="0" lvl="0" marL="0" rtl="0" algn="l">
+              <a:spcBef>
+                <a:spcPts val="0"/>
+              </a:spcBef>
+              <a:spcAft>
+                <a:spcPts val="0"/>
+              </a:spcAft>
+              <a:buNone/>
+            </a:pPr>
+            <a:r>
+              <a:t/>
+            </a:r>
+            <a:endParaRPr/>
+          </a:p>
+        </p:txBody>
       </p:sp>
     </p:spTree>
   </p:cSld>
@@ -1781,6 +1886,501 @@
 </p:notes>
 </file>
 
+<file path=ppt/notesSlides/notesSlide20.xml><?xml version="1.0" encoding="utf-8"?>
+<p:notes xmlns:a="http://schemas.openxmlformats.org/drawingml/2006/main" xmlns:r="http://schemas.openxmlformats.org/officeDocument/2006/relationships" xmlns:mc="http://schemas.openxmlformats.org/markup-compatibility/2006" xmlns:mv="urn:schemas-microsoft-com:mac:vml" xmlns:p="http://schemas.openxmlformats.org/presentationml/2006/main" xmlns:c="http://schemas.openxmlformats.org/drawingml/2006/chart" xmlns:dgm="http://schemas.openxmlformats.org/drawingml/2006/diagram" xmlns:o="urn:schemas-microsoft-com:office:office" xmlns:v="urn:schemas-microsoft-com:vml" xmlns:pvml="urn:schemas-microsoft-com:office:powerpoint" xmlns:com="http://schemas.openxmlformats.org/drawingml/2006/compatibility" xmlns:p14="http://schemas.microsoft.com/office/powerpoint/2010/main" xmlns:p15="http://schemas.microsoft.com/office/powerpoint/2012/main" xmlns:ahyp="http://schemas.microsoft.com/office/drawing/2018/hyperlinkcolor" showMasterPhAnim="0" showMasterSp="0">
+  <p:cSld>
+    <p:spTree>
+      <p:nvGrpSpPr>
+        <p:cNvPr id="255" name="Shape 255"/>
+        <p:cNvGrpSpPr/>
+        <p:nvPr/>
+      </p:nvGrpSpPr>
+      <p:grpSpPr>
+        <a:xfrm>
+          <a:off x="0" y="0"/>
+          <a:ext cx="0" cy="0"/>
+          <a:chOff x="0" y="0"/>
+          <a:chExt cx="0" cy="0"/>
+        </a:xfrm>
+      </p:grpSpPr>
+      <p:sp>
+        <p:nvSpPr>
+          <p:cNvPr id="256" name="Google Shape;256;g316ec9e5039_0_32:notes"/>
+          <p:cNvSpPr/>
+          <p:nvPr>
+            <p:ph idx="2" type="sldImg"/>
+          </p:nvPr>
+        </p:nvSpPr>
+        <p:spPr>
+          <a:xfrm>
+            <a:off x="1143225" y="685800"/>
+            <a:ext cx="4572300" cy="3429000"/>
+          </a:xfrm>
+          <a:custGeom>
+            <a:rect b="b" l="l" r="r" t="t"/>
+            <a:pathLst>
+              <a:path extrusionOk="0" h="120000" w="120000">
+                <a:moveTo>
+                  <a:pt x="0" y="0"/>
+                </a:moveTo>
+                <a:lnTo>
+                  <a:pt x="120000" y="0"/>
+                </a:lnTo>
+                <a:lnTo>
+                  <a:pt x="120000" y="120000"/>
+                </a:lnTo>
+                <a:lnTo>
+                  <a:pt x="0" y="120000"/>
+                </a:lnTo>
+                <a:close/>
+              </a:path>
+            </a:pathLst>
+          </a:custGeom>
+        </p:spPr>
+      </p:sp>
+      <p:sp>
+        <p:nvSpPr>
+          <p:cNvPr id="257" name="Google Shape;257;g316ec9e5039_0_32:notes"/>
+          <p:cNvSpPr txBox="1"/>
+          <p:nvPr>
+            <p:ph idx="1" type="body"/>
+          </p:nvPr>
+        </p:nvSpPr>
+        <p:spPr>
+          <a:xfrm>
+            <a:off x="685800" y="4343400"/>
+            <a:ext cx="5486400" cy="4114800"/>
+          </a:xfrm>
+          <a:prstGeom prst="rect">
+            <a:avLst/>
+          </a:prstGeom>
+        </p:spPr>
+        <p:txBody>
+          <a:bodyPr anchorCtr="0" anchor="t" bIns="91425" lIns="91425" spcFirstLastPara="1" rIns="91425" wrap="square" tIns="91425">
+            <a:noAutofit/>
+          </a:bodyPr>
+          <a:lstStyle/>
+          <a:p>
+            <a:pPr indent="0" lvl="0" marL="0" rtl="0" algn="l">
+              <a:spcBef>
+                <a:spcPts val="0"/>
+              </a:spcBef>
+              <a:spcAft>
+                <a:spcPts val="0"/>
+              </a:spcAft>
+              <a:buNone/>
+            </a:pPr>
+            <a:r>
+              <a:t/>
+            </a:r>
+            <a:endParaRPr/>
+          </a:p>
+        </p:txBody>
+      </p:sp>
+    </p:spTree>
+  </p:cSld>
+  <p:clrMapOvr>
+    <a:masterClrMapping/>
+  </p:clrMapOvr>
+</p:notes>
+</file>
+
+<file path=ppt/notesSlides/notesSlide21.xml><?xml version="1.0" encoding="utf-8"?>
+<p:notes xmlns:a="http://schemas.openxmlformats.org/drawingml/2006/main" xmlns:r="http://schemas.openxmlformats.org/officeDocument/2006/relationships" xmlns:mc="http://schemas.openxmlformats.org/markup-compatibility/2006" xmlns:mv="urn:schemas-microsoft-com:mac:vml" xmlns:p="http://schemas.openxmlformats.org/presentationml/2006/main" xmlns:c="http://schemas.openxmlformats.org/drawingml/2006/chart" xmlns:dgm="http://schemas.openxmlformats.org/drawingml/2006/diagram" xmlns:o="urn:schemas-microsoft-com:office:office" xmlns:v="urn:schemas-microsoft-com:vml" xmlns:pvml="urn:schemas-microsoft-com:office:powerpoint" xmlns:com="http://schemas.openxmlformats.org/drawingml/2006/compatibility" xmlns:p14="http://schemas.microsoft.com/office/powerpoint/2010/main" xmlns:p15="http://schemas.microsoft.com/office/powerpoint/2012/main" xmlns:ahyp="http://schemas.microsoft.com/office/drawing/2018/hyperlinkcolor" showMasterPhAnim="0" showMasterSp="0">
+  <p:cSld>
+    <p:spTree>
+      <p:nvGrpSpPr>
+        <p:cNvPr id="261" name="Shape 261"/>
+        <p:cNvGrpSpPr/>
+        <p:nvPr/>
+      </p:nvGrpSpPr>
+      <p:grpSpPr>
+        <a:xfrm>
+          <a:off x="0" y="0"/>
+          <a:ext cx="0" cy="0"/>
+          <a:chOff x="0" y="0"/>
+          <a:chExt cx="0" cy="0"/>
+        </a:xfrm>
+      </p:grpSpPr>
+      <p:sp>
+        <p:nvSpPr>
+          <p:cNvPr id="262" name="Google Shape;262;p12:notes"/>
+          <p:cNvSpPr txBox="1"/>
+          <p:nvPr>
+            <p:ph idx="1" type="body"/>
+          </p:nvPr>
+        </p:nvSpPr>
+        <p:spPr>
+          <a:xfrm>
+            <a:off x="685800" y="4343400"/>
+            <a:ext cx="5486400" cy="4114800"/>
+          </a:xfrm>
+          <a:prstGeom prst="rect">
+            <a:avLst/>
+          </a:prstGeom>
+        </p:spPr>
+        <p:txBody>
+          <a:bodyPr anchorCtr="0" anchor="t" bIns="91425" lIns="91425" spcFirstLastPara="1" rIns="91425" wrap="square" tIns="91425">
+            <a:noAutofit/>
+          </a:bodyPr>
+          <a:lstStyle/>
+          <a:p>
+            <a:pPr indent="0" lvl="0" marL="0" rtl="0" algn="l">
+              <a:spcBef>
+                <a:spcPts val="0"/>
+              </a:spcBef>
+              <a:spcAft>
+                <a:spcPts val="0"/>
+              </a:spcAft>
+              <a:buNone/>
+            </a:pPr>
+            <a:r>
+              <a:t/>
+            </a:r>
+            <a:endParaRPr/>
+          </a:p>
+        </p:txBody>
+      </p:sp>
+      <p:sp>
+        <p:nvSpPr>
+          <p:cNvPr id="263" name="Google Shape;263;p12:notes"/>
+          <p:cNvSpPr/>
+          <p:nvPr>
+            <p:ph idx="2" type="sldImg"/>
+          </p:nvPr>
+        </p:nvSpPr>
+        <p:spPr>
+          <a:xfrm>
+            <a:off x="1143225" y="685800"/>
+            <a:ext cx="4572225" cy="3429000"/>
+          </a:xfrm>
+          <a:custGeom>
+            <a:rect b="b" l="l" r="r" t="t"/>
+            <a:pathLst>
+              <a:path extrusionOk="0" h="120000" w="120000">
+                <a:moveTo>
+                  <a:pt x="0" y="0"/>
+                </a:moveTo>
+                <a:lnTo>
+                  <a:pt x="120000" y="0"/>
+                </a:lnTo>
+                <a:lnTo>
+                  <a:pt x="120000" y="120000"/>
+                </a:lnTo>
+                <a:lnTo>
+                  <a:pt x="0" y="120000"/>
+                </a:lnTo>
+                <a:close/>
+              </a:path>
+            </a:pathLst>
+          </a:custGeom>
+        </p:spPr>
+      </p:sp>
+    </p:spTree>
+  </p:cSld>
+  <p:clrMapOvr>
+    <a:masterClrMapping/>
+  </p:clrMapOvr>
+</p:notes>
+</file>
+
+<file path=ppt/notesSlides/notesSlide22.xml><?xml version="1.0" encoding="utf-8"?>
+<p:notes xmlns:a="http://schemas.openxmlformats.org/drawingml/2006/main" xmlns:r="http://schemas.openxmlformats.org/officeDocument/2006/relationships" xmlns:mc="http://schemas.openxmlformats.org/markup-compatibility/2006" xmlns:mv="urn:schemas-microsoft-com:mac:vml" xmlns:p="http://schemas.openxmlformats.org/presentationml/2006/main" xmlns:c="http://schemas.openxmlformats.org/drawingml/2006/chart" xmlns:dgm="http://schemas.openxmlformats.org/drawingml/2006/diagram" xmlns:o="urn:schemas-microsoft-com:office:office" xmlns:v="urn:schemas-microsoft-com:vml" xmlns:pvml="urn:schemas-microsoft-com:office:powerpoint" xmlns:com="http://schemas.openxmlformats.org/drawingml/2006/compatibility" xmlns:p14="http://schemas.microsoft.com/office/powerpoint/2010/main" xmlns:p15="http://schemas.microsoft.com/office/powerpoint/2012/main" xmlns:ahyp="http://schemas.microsoft.com/office/drawing/2018/hyperlinkcolor" showMasterPhAnim="0" showMasterSp="0">
+  <p:cSld>
+    <p:spTree>
+      <p:nvGrpSpPr>
+        <p:cNvPr id="267" name="Shape 267"/>
+        <p:cNvGrpSpPr/>
+        <p:nvPr/>
+      </p:nvGrpSpPr>
+      <p:grpSpPr>
+        <a:xfrm>
+          <a:off x="0" y="0"/>
+          <a:ext cx="0" cy="0"/>
+          <a:chOff x="0" y="0"/>
+          <a:chExt cx="0" cy="0"/>
+        </a:xfrm>
+      </p:grpSpPr>
+      <p:sp>
+        <p:nvSpPr>
+          <p:cNvPr id="268" name="Google Shape;268;p13:notes"/>
+          <p:cNvSpPr txBox="1"/>
+          <p:nvPr>
+            <p:ph idx="1" type="body"/>
+          </p:nvPr>
+        </p:nvSpPr>
+        <p:spPr>
+          <a:xfrm>
+            <a:off x="685800" y="4343400"/>
+            <a:ext cx="5486400" cy="4114800"/>
+          </a:xfrm>
+          <a:prstGeom prst="rect">
+            <a:avLst/>
+          </a:prstGeom>
+        </p:spPr>
+        <p:txBody>
+          <a:bodyPr anchorCtr="0" anchor="t" bIns="91425" lIns="91425" spcFirstLastPara="1" rIns="91425" wrap="square" tIns="91425">
+            <a:noAutofit/>
+          </a:bodyPr>
+          <a:lstStyle/>
+          <a:p>
+            <a:pPr indent="0" lvl="0" marL="0" rtl="0" algn="l">
+              <a:spcBef>
+                <a:spcPts val="0"/>
+              </a:spcBef>
+              <a:spcAft>
+                <a:spcPts val="0"/>
+              </a:spcAft>
+              <a:buNone/>
+            </a:pPr>
+            <a:r>
+              <a:t/>
+            </a:r>
+            <a:endParaRPr/>
+          </a:p>
+        </p:txBody>
+      </p:sp>
+      <p:sp>
+        <p:nvSpPr>
+          <p:cNvPr id="269" name="Google Shape;269;p13:notes"/>
+          <p:cNvSpPr/>
+          <p:nvPr>
+            <p:ph idx="2" type="sldImg"/>
+          </p:nvPr>
+        </p:nvSpPr>
+        <p:spPr>
+          <a:xfrm>
+            <a:off x="1143225" y="685800"/>
+            <a:ext cx="4572225" cy="3429000"/>
+          </a:xfrm>
+          <a:custGeom>
+            <a:rect b="b" l="l" r="r" t="t"/>
+            <a:pathLst>
+              <a:path extrusionOk="0" h="120000" w="120000">
+                <a:moveTo>
+                  <a:pt x="0" y="0"/>
+                </a:moveTo>
+                <a:lnTo>
+                  <a:pt x="120000" y="0"/>
+                </a:lnTo>
+                <a:lnTo>
+                  <a:pt x="120000" y="120000"/>
+                </a:lnTo>
+                <a:lnTo>
+                  <a:pt x="0" y="120000"/>
+                </a:lnTo>
+                <a:close/>
+              </a:path>
+            </a:pathLst>
+          </a:custGeom>
+        </p:spPr>
+      </p:sp>
+    </p:spTree>
+  </p:cSld>
+  <p:clrMapOvr>
+    <a:masterClrMapping/>
+  </p:clrMapOvr>
+</p:notes>
+</file>
+
+<file path=ppt/notesSlides/notesSlide23.xml><?xml version="1.0" encoding="utf-8"?>
+<p:notes xmlns:a="http://schemas.openxmlformats.org/drawingml/2006/main" xmlns:r="http://schemas.openxmlformats.org/officeDocument/2006/relationships" xmlns:mc="http://schemas.openxmlformats.org/markup-compatibility/2006" xmlns:mv="urn:schemas-microsoft-com:mac:vml" xmlns:p="http://schemas.openxmlformats.org/presentationml/2006/main" xmlns:c="http://schemas.openxmlformats.org/drawingml/2006/chart" xmlns:dgm="http://schemas.openxmlformats.org/drawingml/2006/diagram" xmlns:o="urn:schemas-microsoft-com:office:office" xmlns:v="urn:schemas-microsoft-com:vml" xmlns:pvml="urn:schemas-microsoft-com:office:powerpoint" xmlns:com="http://schemas.openxmlformats.org/drawingml/2006/compatibility" xmlns:p14="http://schemas.microsoft.com/office/powerpoint/2010/main" xmlns:p15="http://schemas.microsoft.com/office/powerpoint/2012/main" xmlns:ahyp="http://schemas.microsoft.com/office/drawing/2018/hyperlinkcolor" showMasterPhAnim="0" showMasterSp="0">
+  <p:cSld>
+    <p:spTree>
+      <p:nvGrpSpPr>
+        <p:cNvPr id="273" name="Shape 273"/>
+        <p:cNvGrpSpPr/>
+        <p:nvPr/>
+      </p:nvGrpSpPr>
+      <p:grpSpPr>
+        <a:xfrm>
+          <a:off x="0" y="0"/>
+          <a:ext cx="0" cy="0"/>
+          <a:chOff x="0" y="0"/>
+          <a:chExt cx="0" cy="0"/>
+        </a:xfrm>
+      </p:grpSpPr>
+      <p:sp>
+        <p:nvSpPr>
+          <p:cNvPr id="274" name="Google Shape;274;p14:notes"/>
+          <p:cNvSpPr txBox="1"/>
+          <p:nvPr>
+            <p:ph idx="1" type="body"/>
+          </p:nvPr>
+        </p:nvSpPr>
+        <p:spPr>
+          <a:xfrm>
+            <a:off x="685800" y="4343400"/>
+            <a:ext cx="5486400" cy="4114800"/>
+          </a:xfrm>
+          <a:prstGeom prst="rect">
+            <a:avLst/>
+          </a:prstGeom>
+        </p:spPr>
+        <p:txBody>
+          <a:bodyPr anchorCtr="0" anchor="t" bIns="91425" lIns="91425" spcFirstLastPara="1" rIns="91425" wrap="square" tIns="91425">
+            <a:noAutofit/>
+          </a:bodyPr>
+          <a:lstStyle/>
+          <a:p>
+            <a:pPr indent="0" lvl="0" marL="0" rtl="0" algn="l">
+              <a:spcBef>
+                <a:spcPts val="0"/>
+              </a:spcBef>
+              <a:spcAft>
+                <a:spcPts val="0"/>
+              </a:spcAft>
+              <a:buNone/>
+            </a:pPr>
+            <a:r>
+              <a:t/>
+            </a:r>
+            <a:endParaRPr/>
+          </a:p>
+        </p:txBody>
+      </p:sp>
+      <p:sp>
+        <p:nvSpPr>
+          <p:cNvPr id="275" name="Google Shape;275;p14:notes"/>
+          <p:cNvSpPr/>
+          <p:nvPr>
+            <p:ph idx="2" type="sldImg"/>
+          </p:nvPr>
+        </p:nvSpPr>
+        <p:spPr>
+          <a:xfrm>
+            <a:off x="1143225" y="685800"/>
+            <a:ext cx="4572225" cy="3429000"/>
+          </a:xfrm>
+          <a:custGeom>
+            <a:rect b="b" l="l" r="r" t="t"/>
+            <a:pathLst>
+              <a:path extrusionOk="0" h="120000" w="120000">
+                <a:moveTo>
+                  <a:pt x="0" y="0"/>
+                </a:moveTo>
+                <a:lnTo>
+                  <a:pt x="120000" y="0"/>
+                </a:lnTo>
+                <a:lnTo>
+                  <a:pt x="120000" y="120000"/>
+                </a:lnTo>
+                <a:lnTo>
+                  <a:pt x="0" y="120000"/>
+                </a:lnTo>
+                <a:close/>
+              </a:path>
+            </a:pathLst>
+          </a:custGeom>
+        </p:spPr>
+      </p:sp>
+    </p:spTree>
+  </p:cSld>
+  <p:clrMapOvr>
+    <a:masterClrMapping/>
+  </p:clrMapOvr>
+</p:notes>
+</file>
+
+<file path=ppt/notesSlides/notesSlide24.xml><?xml version="1.0" encoding="utf-8"?>
+<p:notes xmlns:a="http://schemas.openxmlformats.org/drawingml/2006/main" xmlns:r="http://schemas.openxmlformats.org/officeDocument/2006/relationships" xmlns:mc="http://schemas.openxmlformats.org/markup-compatibility/2006" xmlns:mv="urn:schemas-microsoft-com:mac:vml" xmlns:p="http://schemas.openxmlformats.org/presentationml/2006/main" xmlns:c="http://schemas.openxmlformats.org/drawingml/2006/chart" xmlns:dgm="http://schemas.openxmlformats.org/drawingml/2006/diagram" xmlns:o="urn:schemas-microsoft-com:office:office" xmlns:v="urn:schemas-microsoft-com:vml" xmlns:pvml="urn:schemas-microsoft-com:office:powerpoint" xmlns:com="http://schemas.openxmlformats.org/drawingml/2006/compatibility" xmlns:p14="http://schemas.microsoft.com/office/powerpoint/2010/main" xmlns:p15="http://schemas.microsoft.com/office/powerpoint/2012/main" xmlns:ahyp="http://schemas.microsoft.com/office/drawing/2018/hyperlinkcolor" showMasterPhAnim="0" showMasterSp="0">
+  <p:cSld>
+    <p:spTree>
+      <p:nvGrpSpPr>
+        <p:cNvPr id="279" name="Shape 279"/>
+        <p:cNvGrpSpPr/>
+        <p:nvPr/>
+      </p:nvGrpSpPr>
+      <p:grpSpPr>
+        <a:xfrm>
+          <a:off x="0" y="0"/>
+          <a:ext cx="0" cy="0"/>
+          <a:chOff x="0" y="0"/>
+          <a:chExt cx="0" cy="0"/>
+        </a:xfrm>
+      </p:grpSpPr>
+      <p:sp>
+        <p:nvSpPr>
+          <p:cNvPr id="280" name="Google Shape;280;p15:notes"/>
+          <p:cNvSpPr txBox="1"/>
+          <p:nvPr>
+            <p:ph idx="1" type="body"/>
+          </p:nvPr>
+        </p:nvSpPr>
+        <p:spPr>
+          <a:xfrm>
+            <a:off x="685800" y="4343400"/>
+            <a:ext cx="5486400" cy="4114800"/>
+          </a:xfrm>
+          <a:prstGeom prst="rect">
+            <a:avLst/>
+          </a:prstGeom>
+        </p:spPr>
+        <p:txBody>
+          <a:bodyPr anchorCtr="0" anchor="t" bIns="91425" lIns="91425" spcFirstLastPara="1" rIns="91425" wrap="square" tIns="91425">
+            <a:noAutofit/>
+          </a:bodyPr>
+          <a:lstStyle/>
+          <a:p>
+            <a:pPr indent="0" lvl="0" marL="0" rtl="0" algn="l">
+              <a:spcBef>
+                <a:spcPts val="0"/>
+              </a:spcBef>
+              <a:spcAft>
+                <a:spcPts val="0"/>
+              </a:spcAft>
+              <a:buNone/>
+            </a:pPr>
+            <a:r>
+              <a:t/>
+            </a:r>
+            <a:endParaRPr/>
+          </a:p>
+        </p:txBody>
+      </p:sp>
+      <p:sp>
+        <p:nvSpPr>
+          <p:cNvPr id="281" name="Google Shape;281;p15:notes"/>
+          <p:cNvSpPr/>
+          <p:nvPr>
+            <p:ph idx="2" type="sldImg"/>
+          </p:nvPr>
+        </p:nvSpPr>
+        <p:spPr>
+          <a:xfrm>
+            <a:off x="1143225" y="685800"/>
+            <a:ext cx="4572225" cy="3429000"/>
+          </a:xfrm>
+          <a:custGeom>
+            <a:rect b="b" l="l" r="r" t="t"/>
+            <a:pathLst>
+              <a:path extrusionOk="0" h="120000" w="120000">
+                <a:moveTo>
+                  <a:pt x="0" y="0"/>
+                </a:moveTo>
+                <a:lnTo>
+                  <a:pt x="120000" y="0"/>
+                </a:lnTo>
+                <a:lnTo>
+                  <a:pt x="120000" y="120000"/>
+                </a:lnTo>
+                <a:lnTo>
+                  <a:pt x="0" y="120000"/>
+                </a:lnTo>
+                <a:close/>
+              </a:path>
+            </a:pathLst>
+          </a:custGeom>
+        </p:spPr>
+      </p:sp>
+    </p:spTree>
+  </p:cSld>
+  <p:clrMapOvr>
+    <a:masterClrMapping/>
+  </p:clrMapOvr>
+</p:notes>
+</file>
+
 <file path=ppt/notesSlides/notesSlide3.xml><?xml version="1.0" encoding="utf-8"?>
 <p:notes xmlns:a="http://schemas.openxmlformats.org/drawingml/2006/main" xmlns:r="http://schemas.openxmlformats.org/officeDocument/2006/relationships" xmlns:mc="http://schemas.openxmlformats.org/markup-compatibility/2006" xmlns:mv="urn:schemas-microsoft-com:mac:vml" xmlns:p="http://schemas.openxmlformats.org/presentationml/2006/main" xmlns:c="http://schemas.openxmlformats.org/drawingml/2006/chart" xmlns:dgm="http://schemas.openxmlformats.org/drawingml/2006/diagram" xmlns:o="urn:schemas-microsoft-com:office:office" xmlns:v="urn:schemas-microsoft-com:vml" xmlns:pvml="urn:schemas-microsoft-com:office:powerpoint" xmlns:com="http://schemas.openxmlformats.org/drawingml/2006/compatibility" xmlns:p14="http://schemas.microsoft.com/office/powerpoint/2010/main" xmlns:p15="http://schemas.microsoft.com/office/powerpoint/2012/main" xmlns:ahyp="http://schemas.microsoft.com/office/drawing/2018/hyperlinkcolor" showMasterPhAnim="0" showMasterSp="0">
   <p:cSld>
@@ -1998,7 +2598,7 @@
       </p:grpSpPr>
       <p:sp>
         <p:nvSpPr>
-          <p:cNvPr id="127" name="Google Shape;127;g30c6cb7589a_0_19:notes"/>
+          <p:cNvPr id="127" name="Google Shape;127;p5:notes"/>
           <p:cNvSpPr txBox="1"/>
           <p:nvPr>
             <p:ph idx="1" type="body"/>
@@ -2037,7 +2637,7 @@
       </p:sp>
       <p:sp>
         <p:nvSpPr>
-          <p:cNvPr id="128" name="Google Shape;128;g30c6cb7589a_0_19:notes"/>
+          <p:cNvPr id="128" name="Google Shape;128;p5:notes"/>
           <p:cNvSpPr/>
           <p:nvPr>
             <p:ph idx="2" type="sldImg"/>
@@ -2046,7 +2646,7 @@
         <p:spPr>
           <a:xfrm>
             <a:off x="1143225" y="685800"/>
-            <a:ext cx="4572300" cy="3429000"/>
+            <a:ext cx="4572225" cy="3429000"/>
           </a:xfrm>
           <a:custGeom>
             <a:rect b="b" l="l" r="r" t="t"/>
@@ -2097,7 +2697,7 @@
       </p:grpSpPr>
       <p:sp>
         <p:nvSpPr>
-          <p:cNvPr id="136" name="Google Shape;136;p5:notes"/>
+          <p:cNvPr id="136" name="Google Shape;136;p6:notes"/>
           <p:cNvSpPr txBox="1"/>
           <p:nvPr>
             <p:ph idx="1" type="body"/>
@@ -2136,7 +2736,7 @@
       </p:sp>
       <p:sp>
         <p:nvSpPr>
-          <p:cNvPr id="137" name="Google Shape;137;p5:notes"/>
+          <p:cNvPr id="137" name="Google Shape;137;p6:notes"/>
           <p:cNvSpPr/>
           <p:nvPr>
             <p:ph idx="2" type="sldImg"/>
@@ -2196,7 +2796,7 @@
       </p:grpSpPr>
       <p:sp>
         <p:nvSpPr>
-          <p:cNvPr id="145" name="Google Shape;145;p6:notes"/>
+          <p:cNvPr id="145" name="Google Shape;145;g2fd26355c3f_1_11:notes"/>
           <p:cNvSpPr txBox="1"/>
           <p:nvPr>
             <p:ph idx="1" type="body"/>
@@ -2235,7 +2835,7 @@
       </p:sp>
       <p:sp>
         <p:nvSpPr>
-          <p:cNvPr id="146" name="Google Shape;146;p6:notes"/>
+          <p:cNvPr id="146" name="Google Shape;146;g2fd26355c3f_1_11:notes"/>
           <p:cNvSpPr/>
           <p:nvPr>
             <p:ph idx="2" type="sldImg"/>
@@ -2244,7 +2844,7 @@
         <p:spPr>
           <a:xfrm>
             <a:off x="1143225" y="685800"/>
-            <a:ext cx="4572225" cy="3429000"/>
+            <a:ext cx="4572300" cy="3429000"/>
           </a:xfrm>
           <a:custGeom>
             <a:rect b="b" l="l" r="r" t="t"/>
@@ -2295,7 +2895,7 @@
       </p:grpSpPr>
       <p:sp>
         <p:nvSpPr>
-          <p:cNvPr id="154" name="Google Shape;154;g2fd26355c3f_1_11:notes"/>
+          <p:cNvPr id="154" name="Google Shape;154;p7:notes"/>
           <p:cNvSpPr txBox="1"/>
           <p:nvPr>
             <p:ph idx="1" type="body"/>
@@ -2334,7 +2934,7 @@
       </p:sp>
       <p:sp>
         <p:nvSpPr>
-          <p:cNvPr id="155" name="Google Shape;155;g2fd26355c3f_1_11:notes"/>
+          <p:cNvPr id="155" name="Google Shape;155;p7:notes"/>
           <p:cNvSpPr/>
           <p:nvPr>
             <p:ph idx="2" type="sldImg"/>
@@ -2343,7 +2943,7 @@
         <p:spPr>
           <a:xfrm>
             <a:off x="1143225" y="685800"/>
-            <a:ext cx="4572300" cy="3429000"/>
+            <a:ext cx="4572225" cy="3429000"/>
           </a:xfrm>
           <a:custGeom>
             <a:rect b="b" l="l" r="r" t="t"/>
@@ -2394,7 +2994,7 @@
       </p:grpSpPr>
       <p:sp>
         <p:nvSpPr>
-          <p:cNvPr id="163" name="Google Shape;163;p7:notes"/>
+          <p:cNvPr id="163" name="Google Shape;163;p8:notes"/>
           <p:cNvSpPr txBox="1"/>
           <p:nvPr>
             <p:ph idx="1" type="body"/>
@@ -2433,7 +3033,7 @@
       </p:sp>
       <p:sp>
         <p:nvSpPr>
-          <p:cNvPr id="164" name="Google Shape;164;p7:notes"/>
+          <p:cNvPr id="164" name="Google Shape;164;p8:notes"/>
           <p:cNvSpPr/>
           <p:nvPr>
             <p:ph idx="2" type="sldImg"/>
@@ -12688,7 +13288,7 @@
       </p:grpSpPr>
       <p:pic>
         <p:nvPicPr>
-          <p:cNvPr descr="EscuelaIT Duoc UC - Escuela de Informática y Telecomunicaciones Duoc UC - Duoc  UC | LinkedIn" id="175" name="Google Shape;175;p8"/>
+          <p:cNvPr descr="EscuelaIT Duoc UC - Escuela de Informática y Telecomunicaciones Duoc UC - Duoc  UC | LinkedIn" id="175" name="Google Shape;175;g30c6cb7589a_0_6"/>
           <p:cNvPicPr preferRelativeResize="0"/>
           <p:nvPr/>
         </p:nvPicPr>
@@ -12715,7 +13315,7 @@
       </p:pic>
       <p:sp>
         <p:nvSpPr>
-          <p:cNvPr id="176" name="Google Shape;176;p8"/>
+          <p:cNvPr id="176" name="Google Shape;176;g30c6cb7589a_0_6"/>
           <p:cNvSpPr txBox="1"/>
           <p:nvPr/>
         </p:nvSpPr>
@@ -12765,14 +13365,14 @@
       </p:sp>
       <p:cxnSp>
         <p:nvCxnSpPr>
-          <p:cNvPr id="177" name="Google Shape;177;p8"/>
+          <p:cNvPr id="177" name="Google Shape;177;g30c6cb7589a_0_6"/>
           <p:cNvCxnSpPr/>
           <p:nvPr/>
         </p:nvCxnSpPr>
         <p:spPr>
           <a:xfrm>
             <a:off x="0" y="758027"/>
-            <a:ext cx="4085617" cy="0"/>
+            <a:ext cx="4085700" cy="0"/>
           </a:xfrm>
           <a:prstGeom prst="straightConnector1">
             <a:avLst/>
@@ -12789,43 +13389,15 @@
           </a:ln>
         </p:spPr>
       </p:cxnSp>
-      <p:pic>
-        <p:nvPicPr>
-          <p:cNvPr id="178" name="Google Shape;178;p8"/>
-          <p:cNvPicPr preferRelativeResize="0"/>
-          <p:nvPr/>
-        </p:nvPicPr>
-        <p:blipFill>
-          <a:blip r:embed="rId4">
-            <a:alphaModFix/>
-          </a:blip>
-          <a:stretch>
-            <a:fillRect/>
-          </a:stretch>
-        </p:blipFill>
-        <p:spPr>
-          <a:xfrm>
-            <a:off x="152400" y="2200608"/>
-            <a:ext cx="11887199" cy="4360011"/>
-          </a:xfrm>
-          <a:prstGeom prst="rect">
-            <a:avLst/>
-          </a:prstGeom>
-          <a:noFill/>
-          <a:ln>
-            <a:noFill/>
-          </a:ln>
-        </p:spPr>
-      </p:pic>
       <p:sp>
         <p:nvSpPr>
-          <p:cNvPr id="179" name="Google Shape;179;p8"/>
+          <p:cNvPr id="178" name="Google Shape;178;g30c6cb7589a_0_6"/>
           <p:cNvSpPr txBox="1"/>
           <p:nvPr/>
         </p:nvSpPr>
         <p:spPr>
           <a:xfrm>
-            <a:off x="1" y="1155656"/>
+            <a:off x="1" y="992906"/>
             <a:ext cx="12192000" cy="800400"/>
           </a:xfrm>
           <a:prstGeom prst="rect">
@@ -12861,7 +13433,7 @@
                 <a:cs typeface="Calibri"/>
                 <a:sym typeface="Calibri"/>
               </a:rPr>
-              <a:t>Cronograma para el desarrollo del proyecto</a:t>
+              <a:t>Cronograma Actualizado</a:t>
             </a:r>
             <a:endParaRPr/>
           </a:p>
@@ -12890,14 +13462,39 @@
           </a:p>
         </p:txBody>
       </p:sp>
+      <p:pic>
+        <p:nvPicPr>
+          <p:cNvPr id="179" name="Google Shape;179;g30c6cb7589a_0_6"/>
+          <p:cNvPicPr preferRelativeResize="0"/>
+          <p:nvPr/>
+        </p:nvPicPr>
+        <p:blipFill>
+          <a:blip r:embed="rId4">
+            <a:alphaModFix/>
+          </a:blip>
+          <a:stretch>
+            <a:fillRect/>
+          </a:stretch>
+        </p:blipFill>
+        <p:spPr>
+          <a:xfrm>
+            <a:off x="0" y="1793300"/>
+            <a:ext cx="12191999" cy="3998160"/>
+          </a:xfrm>
+          <a:prstGeom prst="rect">
+            <a:avLst/>
+          </a:prstGeom>
+          <a:noFill/>
+          <a:ln>
+            <a:noFill/>
+          </a:ln>
+        </p:spPr>
+      </p:pic>
     </p:spTree>
   </p:cSld>
   <p:clrMapOvr>
     <a:masterClrMapping/>
   </p:clrMapOvr>
-  <p:transition spd="slow">
-    <p:wipe dir="l"/>
-  </p:transition>
 </p:sld>
 </file>
 
@@ -12920,7 +13517,7 @@
       </p:grpSpPr>
       <p:pic>
         <p:nvPicPr>
-          <p:cNvPr descr="EscuelaIT Duoc UC - Escuela de Informática y Telecomunicaciones Duoc UC - Duoc  UC | LinkedIn" id="184" name="Google Shape;184;g30c6cb7589a_0_6"/>
+          <p:cNvPr descr="EscuelaIT Duoc UC - Escuela de Informática y Telecomunicaciones Duoc UC - Duoc  UC | LinkedIn" id="184" name="Google Shape;184;g316ec9e5039_1_5"/>
           <p:cNvPicPr preferRelativeResize="0"/>
           <p:nvPr/>
         </p:nvPicPr>
@@ -12947,7 +13544,7 @@
       </p:pic>
       <p:sp>
         <p:nvSpPr>
-          <p:cNvPr id="185" name="Google Shape;185;g30c6cb7589a_0_6"/>
+          <p:cNvPr id="185" name="Google Shape;185;g316ec9e5039_1_5"/>
           <p:cNvSpPr txBox="1"/>
           <p:nvPr/>
         </p:nvSpPr>
@@ -12997,7 +13594,7 @@
       </p:sp>
       <p:cxnSp>
         <p:nvCxnSpPr>
-          <p:cNvPr id="186" name="Google Shape;186;g30c6cb7589a_0_6"/>
+          <p:cNvPr id="186" name="Google Shape;186;g316ec9e5039_1_5"/>
           <p:cNvCxnSpPr/>
           <p:nvPr/>
         </p:nvCxnSpPr>
@@ -13021,37 +13618,9 @@
           </a:ln>
         </p:spPr>
       </p:cxnSp>
-      <p:pic>
-        <p:nvPicPr>
-          <p:cNvPr id="187" name="Google Shape;187;g30c6cb7589a_0_6"/>
-          <p:cNvPicPr preferRelativeResize="0"/>
-          <p:nvPr/>
-        </p:nvPicPr>
-        <p:blipFill>
-          <a:blip r:embed="rId4">
-            <a:alphaModFix/>
-          </a:blip>
-          <a:stretch>
-            <a:fillRect/>
-          </a:stretch>
-        </p:blipFill>
-        <p:spPr>
-          <a:xfrm>
-            <a:off x="152400" y="2200856"/>
-            <a:ext cx="11887201" cy="4148270"/>
-          </a:xfrm>
-          <a:prstGeom prst="rect">
-            <a:avLst/>
-          </a:prstGeom>
-          <a:noFill/>
-          <a:ln>
-            <a:noFill/>
-          </a:ln>
-        </p:spPr>
-      </p:pic>
       <p:sp>
         <p:nvSpPr>
-          <p:cNvPr id="188" name="Google Shape;188;g30c6cb7589a_0_6"/>
+          <p:cNvPr id="187" name="Google Shape;187;g316ec9e5039_1_5"/>
           <p:cNvSpPr txBox="1"/>
           <p:nvPr/>
         </p:nvSpPr>
@@ -13093,7 +13662,7 @@
                 <a:cs typeface="Calibri"/>
                 <a:sym typeface="Calibri"/>
               </a:rPr>
-              <a:t>Cronograma Actualizado</a:t>
+              <a:t>Diagrama de flujo de trabajo acumulado</a:t>
             </a:r>
             <a:endParaRPr/>
           </a:p>
@@ -13122,6 +13691,34 @@
           </a:p>
         </p:txBody>
       </p:sp>
+      <p:pic>
+        <p:nvPicPr>
+          <p:cNvPr id="188" name="Google Shape;188;g316ec9e5039_1_5"/>
+          <p:cNvPicPr preferRelativeResize="0"/>
+          <p:nvPr/>
+        </p:nvPicPr>
+        <p:blipFill>
+          <a:blip r:embed="rId4">
+            <a:alphaModFix/>
+          </a:blip>
+          <a:stretch>
+            <a:fillRect/>
+          </a:stretch>
+        </p:blipFill>
+        <p:spPr>
+          <a:xfrm>
+            <a:off x="152400" y="1945706"/>
+            <a:ext cx="11887197" cy="4024858"/>
+          </a:xfrm>
+          <a:prstGeom prst="rect">
+            <a:avLst/>
+          </a:prstGeom>
+          <a:noFill/>
+          <a:ln>
+            <a:noFill/>
+          </a:ln>
+        </p:spPr>
+      </p:pic>
     </p:spTree>
   </p:cSld>
   <p:clrMapOvr>
@@ -13400,7 +13997,7 @@
         </p:blipFill>
         <p:spPr>
           <a:xfrm>
-            <a:off x="-97626" y="4098080"/>
+            <a:off x="539049" y="4098080"/>
             <a:ext cx="2793039" cy="2759920"/>
           </a:xfrm>
           <a:prstGeom prst="rect">
@@ -13428,8 +14025,8 @@
         </p:blipFill>
         <p:spPr>
           <a:xfrm>
-            <a:off x="2695425" y="4593401"/>
-            <a:ext cx="2359026" cy="1769275"/>
+            <a:off x="3805851" y="1861078"/>
+            <a:ext cx="2026516" cy="2295523"/>
           </a:xfrm>
           <a:prstGeom prst="rect">
             <a:avLst/>
@@ -13456,8 +14053,8 @@
         </p:blipFill>
         <p:spPr>
           <a:xfrm>
-            <a:off x="3805851" y="1861078"/>
-            <a:ext cx="2026516" cy="2295523"/>
+            <a:off x="6529950" y="4175462"/>
+            <a:ext cx="2185524" cy="2185524"/>
           </a:xfrm>
           <a:prstGeom prst="rect">
             <a:avLst/>
@@ -13484,8 +14081,8 @@
         </p:blipFill>
         <p:spPr>
           <a:xfrm>
-            <a:off x="7679100" y="4349375"/>
-            <a:ext cx="2185524" cy="2185524"/>
+            <a:off x="3805862" y="4464780"/>
+            <a:ext cx="2026525" cy="2026525"/>
           </a:xfrm>
           <a:prstGeom prst="rect">
             <a:avLst/>
@@ -13512,36 +14109,8 @@
         </p:blipFill>
         <p:spPr>
           <a:xfrm>
-            <a:off x="10277324" y="4578180"/>
-            <a:ext cx="1727927" cy="1727927"/>
-          </a:xfrm>
-          <a:prstGeom prst="rect">
-            <a:avLst/>
-          </a:prstGeom>
-          <a:noFill/>
-          <a:ln>
-            <a:noFill/>
-          </a:ln>
-        </p:spPr>
-      </p:pic>
-      <p:pic>
-        <p:nvPicPr>
-          <p:cNvPr id="205" name="Google Shape;205;p10"/>
-          <p:cNvPicPr preferRelativeResize="0"/>
-          <p:nvPr/>
-        </p:nvPicPr>
-        <p:blipFill>
-          <a:blip r:embed="rId12">
-            <a:alphaModFix/>
-          </a:blip>
-          <a:stretch>
-            <a:fillRect/>
-          </a:stretch>
-        </p:blipFill>
-        <p:spPr>
-          <a:xfrm>
-            <a:off x="5239887" y="4428880"/>
-            <a:ext cx="2026525" cy="2026525"/>
+            <a:off x="9264624" y="4338399"/>
+            <a:ext cx="2022576" cy="2022576"/>
           </a:xfrm>
           <a:prstGeom prst="rect">
             <a:avLst/>
@@ -13568,7 +14137,7 @@
   <p:cSld>
     <p:spTree>
       <p:nvGrpSpPr>
-        <p:cNvPr id="209" name="Shape 209"/>
+        <p:cNvPr id="208" name="Shape 208"/>
         <p:cNvGrpSpPr/>
         <p:nvPr/>
       </p:nvGrpSpPr>
@@ -13582,7 +14151,7 @@
       </p:grpSpPr>
       <p:pic>
         <p:nvPicPr>
-          <p:cNvPr descr="EscuelaIT Duoc UC - Escuela de Informática y Telecomunicaciones Duoc UC - Duoc  UC | LinkedIn" id="210" name="Google Shape;210;p9"/>
+          <p:cNvPr descr="EscuelaIT Duoc UC - Escuela de Informática y Telecomunicaciones Duoc UC - Duoc  UC | LinkedIn" id="209" name="Google Shape;209;p9"/>
           <p:cNvPicPr preferRelativeResize="0"/>
           <p:nvPr/>
         </p:nvPicPr>
@@ -13609,7 +14178,7 @@
       </p:pic>
       <p:sp>
         <p:nvSpPr>
-          <p:cNvPr id="211" name="Google Shape;211;p9"/>
+          <p:cNvPr id="210" name="Google Shape;210;p9"/>
           <p:cNvSpPr txBox="1"/>
           <p:nvPr/>
         </p:nvSpPr>
@@ -13659,7 +14228,7 @@
       </p:sp>
       <p:cxnSp>
         <p:nvCxnSpPr>
-          <p:cNvPr id="212" name="Google Shape;212;p9"/>
+          <p:cNvPr id="211" name="Google Shape;211;p9"/>
           <p:cNvCxnSpPr/>
           <p:nvPr/>
         </p:nvCxnSpPr>
@@ -13685,7 +14254,7 @@
       </p:cxnSp>
       <p:sp>
         <p:nvSpPr>
-          <p:cNvPr id="213" name="Google Shape;213;p9"/>
+          <p:cNvPr id="212" name="Google Shape;212;p9"/>
           <p:cNvSpPr txBox="1"/>
           <p:nvPr/>
         </p:nvSpPr>
@@ -13724,37 +14293,9 @@
           </a:p>
         </p:txBody>
       </p:sp>
-      <p:pic>
-        <p:nvPicPr>
-          <p:cNvPr id="214" name="Google Shape;214;p9"/>
-          <p:cNvPicPr preferRelativeResize="0"/>
-          <p:nvPr/>
-        </p:nvPicPr>
-        <p:blipFill>
-          <a:blip r:embed="rId4">
-            <a:alphaModFix/>
-          </a:blip>
-          <a:stretch>
-            <a:fillRect/>
-          </a:stretch>
-        </p:blipFill>
-        <p:spPr>
-          <a:xfrm>
-            <a:off x="0" y="17876"/>
-            <a:ext cx="12192000" cy="6822273"/>
-          </a:xfrm>
-          <a:prstGeom prst="rect">
-            <a:avLst/>
-          </a:prstGeom>
-          <a:noFill/>
-          <a:ln>
-            <a:noFill/>
-          </a:ln>
-        </p:spPr>
-      </p:pic>
       <p:sp>
         <p:nvSpPr>
-          <p:cNvPr id="215" name="Google Shape;215;p9"/>
+          <p:cNvPr id="213" name="Google Shape;213;p9"/>
           <p:cNvSpPr/>
           <p:nvPr/>
         </p:nvSpPr>
@@ -13808,7 +14349,7 @@
       </p:sp>
       <p:sp>
         <p:nvSpPr>
-          <p:cNvPr id="216" name="Google Shape;216;p9"/>
+          <p:cNvPr id="214" name="Google Shape;214;p9"/>
           <p:cNvSpPr txBox="1"/>
           <p:nvPr/>
         </p:nvSpPr>
@@ -13864,6 +14405,34 @@
           </a:p>
         </p:txBody>
       </p:sp>
+      <p:pic>
+        <p:nvPicPr>
+          <p:cNvPr id="215" name="Google Shape;215;p9"/>
+          <p:cNvPicPr preferRelativeResize="0"/>
+          <p:nvPr/>
+        </p:nvPicPr>
+        <p:blipFill>
+          <a:blip r:embed="rId4">
+            <a:alphaModFix/>
+          </a:blip>
+          <a:stretch>
+            <a:fillRect/>
+          </a:stretch>
+        </p:blipFill>
+        <p:spPr>
+          <a:xfrm>
+            <a:off x="152400" y="1145302"/>
+            <a:ext cx="11850884" cy="5560299"/>
+          </a:xfrm>
+          <a:prstGeom prst="rect">
+            <a:avLst/>
+          </a:prstGeom>
+          <a:noFill/>
+          <a:ln>
+            <a:noFill/>
+          </a:ln>
+        </p:spPr>
+      </p:pic>
     </p:spTree>
   </p:cSld>
   <p:clrMapOvr>
@@ -13880,7 +14449,7 @@
   <p:cSld>
     <p:spTree>
       <p:nvGrpSpPr>
-        <p:cNvPr id="220" name="Shape 220"/>
+        <p:cNvPr id="219" name="Shape 219"/>
         <p:cNvGrpSpPr/>
         <p:nvPr/>
       </p:nvGrpSpPr>
@@ -13894,7 +14463,7 @@
       </p:grpSpPr>
       <p:pic>
         <p:nvPicPr>
-          <p:cNvPr descr="EscuelaIT Duoc UC - Escuela de Informática y Telecomunicaciones Duoc UC - Duoc  UC | LinkedIn" id="221" name="Google Shape;221;p11"/>
+          <p:cNvPr descr="EscuelaIT Duoc UC - Escuela de Informática y Telecomunicaciones Duoc UC - Duoc  UC | LinkedIn" id="220" name="Google Shape;220;p11"/>
           <p:cNvPicPr preferRelativeResize="0"/>
           <p:nvPr/>
         </p:nvPicPr>
@@ -13921,7 +14490,7 @@
       </p:pic>
       <p:sp>
         <p:nvSpPr>
-          <p:cNvPr id="222" name="Google Shape;222;p11"/>
+          <p:cNvPr id="221" name="Google Shape;221;p11"/>
           <p:cNvSpPr txBox="1"/>
           <p:nvPr/>
         </p:nvSpPr>
@@ -13963,7 +14532,7 @@
                 <a:cs typeface="Calibri"/>
                 <a:sym typeface="Calibri"/>
               </a:rPr>
-              <a:t>PROYECTO “NOMBRE DEL PROYECTO”</a:t>
+              <a:t>PROYECTO “HIR”</a:t>
             </a:r>
             <a:endParaRPr/>
           </a:p>
@@ -13971,13 +14540,13 @@
       </p:sp>
       <p:sp>
         <p:nvSpPr>
-          <p:cNvPr id="223" name="Google Shape;223;p11"/>
+          <p:cNvPr id="222" name="Google Shape;222;p11"/>
           <p:cNvSpPr txBox="1"/>
           <p:nvPr/>
         </p:nvSpPr>
         <p:spPr>
-          <a:xfrm>
-            <a:off x="0" y="434780"/>
+          <a:xfrm rot="254">
+            <a:off x="-74232" y="434824"/>
             <a:ext cx="12192000" cy="646500"/>
           </a:xfrm>
           <a:prstGeom prst="rect">
@@ -14021,7 +14590,7 @@
       </p:sp>
       <p:cxnSp>
         <p:nvCxnSpPr>
-          <p:cNvPr id="224" name="Google Shape;224;p11"/>
+          <p:cNvPr id="223" name="Google Shape;223;p11"/>
           <p:cNvCxnSpPr/>
           <p:nvPr/>
         </p:nvCxnSpPr>
@@ -14047,7 +14616,7 @@
       </p:cxnSp>
       <p:pic>
         <p:nvPicPr>
-          <p:cNvPr id="225" name="Google Shape;225;p11"/>
+          <p:cNvPr id="224" name="Google Shape;224;p11"/>
           <p:cNvPicPr preferRelativeResize="0"/>
           <p:nvPr/>
         </p:nvPicPr>
@@ -14089,7 +14658,7 @@
   <p:cSld>
     <p:spTree>
       <p:nvGrpSpPr>
-        <p:cNvPr id="229" name="Shape 229"/>
+        <p:cNvPr id="228" name="Shape 228"/>
         <p:cNvGrpSpPr/>
         <p:nvPr/>
       </p:nvGrpSpPr>
@@ -14101,23 +14670,64 @@
           <a:chExt cx="0" cy="0"/>
         </a:xfrm>
       </p:grpSpPr>
+      <p:sp>
+        <p:nvSpPr>
+          <p:cNvPr id="229" name="Google Shape;229;g316ec9e5039_0_1"/>
+          <p:cNvSpPr txBox="1"/>
+          <p:nvPr>
+            <p:ph type="ctrTitle"/>
+          </p:nvPr>
+        </p:nvSpPr>
+        <p:spPr>
+          <a:xfrm>
+            <a:off x="1524000" y="196341"/>
+            <a:ext cx="9144000" cy="690000"/>
+          </a:xfrm>
+          <a:prstGeom prst="rect">
+            <a:avLst/>
+          </a:prstGeom>
+        </p:spPr>
+        <p:txBody>
+          <a:bodyPr anchorCtr="0" anchor="b" bIns="45700" lIns="91425" spcFirstLastPara="1" rIns="91425" wrap="square" tIns="45700">
+            <a:normAutofit fontScale="90000"/>
+          </a:bodyPr>
+          <a:lstStyle/>
+          <a:p>
+            <a:pPr indent="0" lvl="0" marL="0" rtl="0" algn="ctr">
+              <a:spcBef>
+                <a:spcPts val="0"/>
+              </a:spcBef>
+              <a:spcAft>
+                <a:spcPts val="0"/>
+              </a:spcAft>
+              <a:buNone/>
+            </a:pPr>
+            <a:r>
+              <a:rPr lang="es-CL"/>
+              <a:t>Funcionamiento ESP32</a:t>
+            </a:r>
+            <a:endParaRPr/>
+          </a:p>
+        </p:txBody>
+      </p:sp>
       <p:pic>
         <p:nvPicPr>
-          <p:cNvPr descr="EscuelaIT Duoc UC - Escuela de Informática y Telecomunicaciones Duoc UC - Duoc  UC | LinkedIn" id="230" name="Google Shape;230;p12"/>
+          <p:cNvPr id="230" name="Google Shape;230;g316ec9e5039_0_1"/>
           <p:cNvPicPr preferRelativeResize="0"/>
           <p:nvPr/>
         </p:nvPicPr>
-        <p:blipFill rotWithShape="1">
+        <p:blipFill>
           <a:blip r:embed="rId3">
             <a:alphaModFix/>
           </a:blip>
-          <a:srcRect b="0" l="0" r="0" t="0"/>
-          <a:stretch/>
+          <a:stretch>
+            <a:fillRect/>
+          </a:stretch>
         </p:blipFill>
         <p:spPr>
           <a:xfrm>
-            <a:off x="8772152" y="207550"/>
-            <a:ext cx="3141406" cy="785352"/>
+            <a:off x="3962400" y="1495941"/>
+            <a:ext cx="4245275" cy="5666858"/>
           </a:xfrm>
           <a:prstGeom prst="rect">
             <a:avLst/>
@@ -14128,96 +14738,11 @@
           </a:ln>
         </p:spPr>
       </p:pic>
-      <p:sp>
-        <p:nvSpPr>
-          <p:cNvPr id="231" name="Google Shape;231;p12"/>
-          <p:cNvSpPr txBox="1"/>
-          <p:nvPr/>
-        </p:nvSpPr>
-        <p:spPr>
-          <a:xfrm>
-            <a:off x="1" y="2707792"/>
-            <a:ext cx="12191999" cy="1138773"/>
-          </a:xfrm>
-          <a:prstGeom prst="rect">
-            <a:avLst/>
-          </a:prstGeom>
-          <a:noFill/>
-          <a:ln>
-            <a:noFill/>
-          </a:ln>
-        </p:spPr>
-        <p:txBody>
-          <a:bodyPr anchorCtr="0" anchor="t" bIns="45700" lIns="91425" spcFirstLastPara="1" rIns="91425" wrap="square" tIns="45700">
-            <a:spAutoFit/>
-          </a:bodyPr>
-          <a:lstStyle/>
-          <a:p>
-            <a:pPr indent="0" lvl="0" marL="0" marR="0" rtl="0" algn="ctr">
-              <a:spcBef>
-                <a:spcPts val="0"/>
-              </a:spcBef>
-              <a:spcAft>
-                <a:spcPts val="0"/>
-              </a:spcAft>
-              <a:buNone/>
-            </a:pPr>
-            <a:r>
-              <a:rPr lang="es-CL" sz="4400">
-                <a:solidFill>
-                  <a:schemeClr val="dk1"/>
-                </a:solidFill>
-                <a:latin typeface="Calibri"/>
-                <a:ea typeface="Calibri"/>
-                <a:cs typeface="Calibri"/>
-                <a:sym typeface="Calibri"/>
-              </a:rPr>
-              <a:t>DEMOSTRACIÓN DEL RESULTADO DEL PROYECTO</a:t>
-            </a:r>
-            <a:endParaRPr/>
-          </a:p>
-          <a:p>
-            <a:pPr indent="0" lvl="0" marL="0" marR="0" rtl="0" algn="ctr">
-              <a:spcBef>
-                <a:spcPts val="0"/>
-              </a:spcBef>
-              <a:spcAft>
-                <a:spcPts val="0"/>
-              </a:spcAft>
-              <a:buNone/>
-            </a:pPr>
-            <a:r>
-              <a:rPr lang="es-CL" sz="2400">
-                <a:solidFill>
-                  <a:srgbClr val="757070"/>
-                </a:solidFill>
-                <a:latin typeface="Calibri"/>
-                <a:ea typeface="Calibri"/>
-                <a:cs typeface="Calibri"/>
-                <a:sym typeface="Calibri"/>
-              </a:rPr>
-              <a:t>*Exposición del sistema</a:t>
-            </a:r>
-            <a:endParaRPr sz="2400">
-              <a:solidFill>
-                <a:srgbClr val="757070"/>
-              </a:solidFill>
-              <a:latin typeface="Calibri"/>
-              <a:ea typeface="Calibri"/>
-              <a:cs typeface="Calibri"/>
-              <a:sym typeface="Calibri"/>
-            </a:endParaRPr>
-          </a:p>
-        </p:txBody>
-      </p:sp>
     </p:spTree>
   </p:cSld>
   <p:clrMapOvr>
     <a:masterClrMapping/>
   </p:clrMapOvr>
-  <p:transition spd="slow">
-    <p:wipe dir="l"/>
-  </p:transition>
 </p:sld>
 </file>
 
@@ -14226,7 +14751,7 @@
   <p:cSld>
     <p:spTree>
       <p:nvGrpSpPr>
-        <p:cNvPr id="235" name="Shape 235"/>
+        <p:cNvPr id="234" name="Shape 234"/>
         <p:cNvGrpSpPr/>
         <p:nvPr/>
       </p:nvGrpSpPr>
@@ -14238,23 +14763,64 @@
           <a:chExt cx="0" cy="0"/>
         </a:xfrm>
       </p:grpSpPr>
+      <p:sp>
+        <p:nvSpPr>
+          <p:cNvPr id="235" name="Google Shape;235;g316ec9e5039_0_12"/>
+          <p:cNvSpPr txBox="1"/>
+          <p:nvPr>
+            <p:ph type="ctrTitle"/>
+          </p:nvPr>
+        </p:nvSpPr>
+        <p:spPr>
+          <a:xfrm>
+            <a:off x="1524000" y="196341"/>
+            <a:ext cx="9144000" cy="690000"/>
+          </a:xfrm>
+          <a:prstGeom prst="rect">
+            <a:avLst/>
+          </a:prstGeom>
+        </p:spPr>
+        <p:txBody>
+          <a:bodyPr anchorCtr="0" anchor="b" bIns="45700" lIns="91425" spcFirstLastPara="1" rIns="91425" wrap="square" tIns="45700">
+            <a:normAutofit fontScale="90000"/>
+          </a:bodyPr>
+          <a:lstStyle/>
+          <a:p>
+            <a:pPr indent="0" lvl="0" marL="0" rtl="0" algn="ctr">
+              <a:spcBef>
+                <a:spcPts val="0"/>
+              </a:spcBef>
+              <a:spcAft>
+                <a:spcPts val="0"/>
+              </a:spcAft>
+              <a:buNone/>
+            </a:pPr>
+            <a:r>
+              <a:rPr lang="es-CL"/>
+              <a:t>Funcionamiento ESP32</a:t>
+            </a:r>
+            <a:endParaRPr/>
+          </a:p>
+        </p:txBody>
+      </p:sp>
       <p:pic>
         <p:nvPicPr>
-          <p:cNvPr descr="EscuelaIT Duoc UC - Escuela de Informática y Telecomunicaciones Duoc UC - Duoc  UC | LinkedIn" id="236" name="Google Shape;236;p13"/>
+          <p:cNvPr id="236" name="Google Shape;236;g316ec9e5039_0_12"/>
           <p:cNvPicPr preferRelativeResize="0"/>
           <p:nvPr/>
         </p:nvPicPr>
-        <p:blipFill rotWithShape="1">
+        <p:blipFill>
           <a:blip r:embed="rId3">
             <a:alphaModFix/>
           </a:blip>
-          <a:srcRect b="0" l="0" r="0" t="0"/>
-          <a:stretch/>
+          <a:stretch>
+            <a:fillRect/>
+          </a:stretch>
         </p:blipFill>
         <p:spPr>
           <a:xfrm>
-            <a:off x="8772152" y="207550"/>
-            <a:ext cx="3141406" cy="785352"/>
+            <a:off x="3962400" y="1495941"/>
+            <a:ext cx="4245275" cy="5666858"/>
           </a:xfrm>
           <a:prstGeom prst="rect">
             <a:avLst/>
@@ -14265,64 +14831,11 @@
           </a:ln>
         </p:spPr>
       </p:pic>
-      <p:sp>
-        <p:nvSpPr>
-          <p:cNvPr id="237" name="Google Shape;237;p13"/>
-          <p:cNvSpPr txBox="1"/>
-          <p:nvPr/>
-        </p:nvSpPr>
-        <p:spPr>
-          <a:xfrm>
-            <a:off x="1" y="1459095"/>
-            <a:ext cx="12191999" cy="769441"/>
-          </a:xfrm>
-          <a:prstGeom prst="rect">
-            <a:avLst/>
-          </a:prstGeom>
-          <a:noFill/>
-          <a:ln>
-            <a:noFill/>
-          </a:ln>
-        </p:spPr>
-        <p:txBody>
-          <a:bodyPr anchorCtr="0" anchor="t" bIns="45700" lIns="91425" spcFirstLastPara="1" rIns="91425" wrap="square" tIns="45700">
-            <a:spAutoFit/>
-          </a:bodyPr>
-          <a:lstStyle/>
-          <a:p>
-            <a:pPr indent="0" lvl="0" marL="0" marR="0" rtl="0" algn="ctr">
-              <a:spcBef>
-                <a:spcPts val="0"/>
-              </a:spcBef>
-              <a:spcAft>
-                <a:spcPts val="0"/>
-              </a:spcAft>
-              <a:buNone/>
-            </a:pPr>
-            <a:r>
-              <a:rPr lang="es-CL" sz="4400">
-                <a:solidFill>
-                  <a:schemeClr val="dk1"/>
-                </a:solidFill>
-                <a:latin typeface="Calibri"/>
-                <a:ea typeface="Calibri"/>
-                <a:cs typeface="Calibri"/>
-                <a:sym typeface="Calibri"/>
-              </a:rPr>
-              <a:t>Resultados obtenidos</a:t>
-            </a:r>
-            <a:endParaRPr/>
-          </a:p>
-        </p:txBody>
-      </p:sp>
     </p:spTree>
   </p:cSld>
   <p:clrMapOvr>
     <a:masterClrMapping/>
   </p:clrMapOvr>
-  <p:transition spd="slow">
-    <p:wipe dir="l"/>
-  </p:transition>
 </p:sld>
 </file>
 
@@ -14331,7 +14844,7 @@
   <p:cSld>
     <p:spTree>
       <p:nvGrpSpPr>
-        <p:cNvPr id="241" name="Shape 241"/>
+        <p:cNvPr id="240" name="Shape 240"/>
         <p:cNvGrpSpPr/>
         <p:nvPr/>
       </p:nvGrpSpPr>
@@ -14343,23 +14856,64 @@
           <a:chExt cx="0" cy="0"/>
         </a:xfrm>
       </p:grpSpPr>
+      <p:sp>
+        <p:nvSpPr>
+          <p:cNvPr id="241" name="Google Shape;241;g316ec9e5039_0_17"/>
+          <p:cNvSpPr txBox="1"/>
+          <p:nvPr>
+            <p:ph type="ctrTitle"/>
+          </p:nvPr>
+        </p:nvSpPr>
+        <p:spPr>
+          <a:xfrm>
+            <a:off x="1524000" y="196341"/>
+            <a:ext cx="9144000" cy="690000"/>
+          </a:xfrm>
+          <a:prstGeom prst="rect">
+            <a:avLst/>
+          </a:prstGeom>
+        </p:spPr>
+        <p:txBody>
+          <a:bodyPr anchorCtr="0" anchor="b" bIns="45700" lIns="91425" spcFirstLastPara="1" rIns="91425" wrap="square" tIns="45700">
+            <a:normAutofit fontScale="90000"/>
+          </a:bodyPr>
+          <a:lstStyle/>
+          <a:p>
+            <a:pPr indent="0" lvl="0" marL="0" rtl="0" algn="ctr">
+              <a:spcBef>
+                <a:spcPts val="0"/>
+              </a:spcBef>
+              <a:spcAft>
+                <a:spcPts val="0"/>
+              </a:spcAft>
+              <a:buNone/>
+            </a:pPr>
+            <a:r>
+              <a:rPr lang="es-CL"/>
+              <a:t>Funcionamiento ESP32</a:t>
+            </a:r>
+            <a:endParaRPr/>
+          </a:p>
+        </p:txBody>
+      </p:sp>
       <p:pic>
         <p:nvPicPr>
-          <p:cNvPr descr="EscuelaIT Duoc UC - Escuela de Informática y Telecomunicaciones Duoc UC - Duoc  UC | LinkedIn" id="242" name="Google Shape;242;p14"/>
+          <p:cNvPr id="242" name="Google Shape;242;g316ec9e5039_0_17"/>
           <p:cNvPicPr preferRelativeResize="0"/>
           <p:nvPr/>
         </p:nvPicPr>
-        <p:blipFill rotWithShape="1">
+        <p:blipFill>
           <a:blip r:embed="rId3">
             <a:alphaModFix/>
           </a:blip>
-          <a:srcRect b="0" l="0" r="0" t="0"/>
-          <a:stretch/>
+          <a:stretch>
+            <a:fillRect/>
+          </a:stretch>
         </p:blipFill>
         <p:spPr>
           <a:xfrm>
-            <a:off x="8772152" y="207550"/>
-            <a:ext cx="3141406" cy="785352"/>
+            <a:off x="3962400" y="1495941"/>
+            <a:ext cx="4242359" cy="5666858"/>
           </a:xfrm>
           <a:prstGeom prst="rect">
             <a:avLst/>
@@ -14370,64 +14924,11 @@
           </a:ln>
         </p:spPr>
       </p:pic>
-      <p:sp>
-        <p:nvSpPr>
-          <p:cNvPr id="243" name="Google Shape;243;p14"/>
-          <p:cNvSpPr txBox="1"/>
-          <p:nvPr/>
-        </p:nvSpPr>
-        <p:spPr>
-          <a:xfrm>
-            <a:off x="1" y="1360773"/>
-            <a:ext cx="12191999" cy="769441"/>
-          </a:xfrm>
-          <a:prstGeom prst="rect">
-            <a:avLst/>
-          </a:prstGeom>
-          <a:noFill/>
-          <a:ln>
-            <a:noFill/>
-          </a:ln>
-        </p:spPr>
-        <p:txBody>
-          <a:bodyPr anchorCtr="0" anchor="t" bIns="45700" lIns="91425" spcFirstLastPara="1" rIns="91425" wrap="square" tIns="45700">
-            <a:spAutoFit/>
-          </a:bodyPr>
-          <a:lstStyle/>
-          <a:p>
-            <a:pPr indent="0" lvl="0" marL="0" marR="0" rtl="0" algn="ctr">
-              <a:spcBef>
-                <a:spcPts val="0"/>
-              </a:spcBef>
-              <a:spcAft>
-                <a:spcPts val="0"/>
-              </a:spcAft>
-              <a:buNone/>
-            </a:pPr>
-            <a:r>
-              <a:rPr lang="es-CL" sz="4400">
-                <a:solidFill>
-                  <a:schemeClr val="dk1"/>
-                </a:solidFill>
-                <a:latin typeface="Calibri"/>
-                <a:ea typeface="Calibri"/>
-                <a:cs typeface="Calibri"/>
-                <a:sym typeface="Calibri"/>
-              </a:rPr>
-              <a:t>Obstáculos presentados durante el desarrollo</a:t>
-            </a:r>
-            <a:endParaRPr/>
-          </a:p>
-        </p:txBody>
-      </p:sp>
     </p:spTree>
   </p:cSld>
   <p:clrMapOvr>
     <a:masterClrMapping/>
   </p:clrMapOvr>
-  <p:transition spd="slow">
-    <p:wipe dir="l"/>
-  </p:transition>
 </p:sld>
 </file>
 
@@ -14436,7 +14937,7 @@
   <p:cSld>
     <p:spTree>
       <p:nvGrpSpPr>
-        <p:cNvPr id="247" name="Shape 247"/>
+        <p:cNvPr id="246" name="Shape 246"/>
         <p:cNvGrpSpPr/>
         <p:nvPr/>
       </p:nvGrpSpPr>
@@ -14448,23 +14949,64 @@
           <a:chExt cx="0" cy="0"/>
         </a:xfrm>
       </p:grpSpPr>
+      <p:sp>
+        <p:nvSpPr>
+          <p:cNvPr id="247" name="Google Shape;247;g316ec9e5039_0_22"/>
+          <p:cNvSpPr txBox="1"/>
+          <p:nvPr>
+            <p:ph type="ctrTitle"/>
+          </p:nvPr>
+        </p:nvSpPr>
+        <p:spPr>
+          <a:xfrm>
+            <a:off x="1524000" y="196341"/>
+            <a:ext cx="9144000" cy="690000"/>
+          </a:xfrm>
+          <a:prstGeom prst="rect">
+            <a:avLst/>
+          </a:prstGeom>
+        </p:spPr>
+        <p:txBody>
+          <a:bodyPr anchorCtr="0" anchor="b" bIns="45700" lIns="91425" spcFirstLastPara="1" rIns="91425" wrap="square" tIns="45700">
+            <a:normAutofit fontScale="90000"/>
+          </a:bodyPr>
+          <a:lstStyle/>
+          <a:p>
+            <a:pPr indent="0" lvl="0" marL="0" rtl="0" algn="ctr">
+              <a:spcBef>
+                <a:spcPts val="0"/>
+              </a:spcBef>
+              <a:spcAft>
+                <a:spcPts val="0"/>
+              </a:spcAft>
+              <a:buNone/>
+            </a:pPr>
+            <a:r>
+              <a:rPr lang="es-CL"/>
+              <a:t>Funcionamiento ESP32</a:t>
+            </a:r>
+            <a:endParaRPr/>
+          </a:p>
+        </p:txBody>
+      </p:sp>
       <p:pic>
         <p:nvPicPr>
-          <p:cNvPr descr="EscuelaIT Duoc UC - Escuela de Informática y Telecomunicaciones Duoc UC - Duoc  UC | LinkedIn" id="248" name="Google Shape;248;p15"/>
+          <p:cNvPr id="248" name="Google Shape;248;g316ec9e5039_0_22"/>
           <p:cNvPicPr preferRelativeResize="0"/>
           <p:nvPr/>
         </p:nvPicPr>
-        <p:blipFill rotWithShape="1">
+        <p:blipFill>
           <a:blip r:embed="rId3">
             <a:alphaModFix/>
           </a:blip>
-          <a:srcRect b="0" l="0" r="0" t="0"/>
-          <a:stretch/>
+          <a:stretch>
+            <a:fillRect/>
+          </a:stretch>
         </p:blipFill>
         <p:spPr>
           <a:xfrm>
-            <a:off x="8772152" y="207550"/>
-            <a:ext cx="3141406" cy="785352"/>
+            <a:off x="3962400" y="1495941"/>
+            <a:ext cx="4243320" cy="5666860"/>
           </a:xfrm>
           <a:prstGeom prst="rect">
             <a:avLst/>
@@ -14475,16 +15017,89 @@
           </a:ln>
         </p:spPr>
       </p:pic>
+    </p:spTree>
+  </p:cSld>
+  <p:clrMapOvr>
+    <a:masterClrMapping/>
+  </p:clrMapOvr>
+</p:sld>
+</file>
+
+<file path=ppt/slides/slide19.xml><?xml version="1.0" encoding="utf-8"?>
+<p:sld xmlns:a="http://schemas.openxmlformats.org/drawingml/2006/main" xmlns:r="http://schemas.openxmlformats.org/officeDocument/2006/relationships" xmlns:mc="http://schemas.openxmlformats.org/markup-compatibility/2006" xmlns:mv="urn:schemas-microsoft-com:mac:vml" xmlns:p="http://schemas.openxmlformats.org/presentationml/2006/main" xmlns:c="http://schemas.openxmlformats.org/drawingml/2006/chart" xmlns:dgm="http://schemas.openxmlformats.org/drawingml/2006/diagram" xmlns:o="urn:schemas-microsoft-com:office:office" xmlns:v="urn:schemas-microsoft-com:vml" xmlns:pvml="urn:schemas-microsoft-com:office:powerpoint" xmlns:com="http://schemas.openxmlformats.org/drawingml/2006/compatibility" xmlns:p14="http://schemas.microsoft.com/office/powerpoint/2010/main" xmlns:p15="http://schemas.microsoft.com/office/powerpoint/2012/main" xmlns:ahyp="http://schemas.microsoft.com/office/drawing/2018/hyperlinkcolor">
+  <p:cSld>
+    <p:spTree>
+      <p:nvGrpSpPr>
+        <p:cNvPr id="252" name="Shape 252"/>
+        <p:cNvGrpSpPr/>
+        <p:nvPr/>
+      </p:nvGrpSpPr>
+      <p:grpSpPr>
+        <a:xfrm>
+          <a:off x="0" y="0"/>
+          <a:ext cx="0" cy="0"/>
+          <a:chOff x="0" y="0"/>
+          <a:chExt cx="0" cy="0"/>
+        </a:xfrm>
+      </p:grpSpPr>
       <p:sp>
         <p:nvSpPr>
-          <p:cNvPr id="249" name="Google Shape;249;p15"/>
+          <p:cNvPr id="253" name="Google Shape;253;g316ec9e5039_0_27"/>
           <p:cNvSpPr txBox="1"/>
+          <p:nvPr>
+            <p:ph type="ctrTitle"/>
+          </p:nvPr>
+        </p:nvSpPr>
+        <p:spPr>
+          <a:xfrm>
+            <a:off x="1524000" y="196341"/>
+            <a:ext cx="9144000" cy="690000"/>
+          </a:xfrm>
+          <a:prstGeom prst="rect">
+            <a:avLst/>
+          </a:prstGeom>
+        </p:spPr>
+        <p:txBody>
+          <a:bodyPr anchorCtr="0" anchor="b" bIns="45700" lIns="91425" spcFirstLastPara="1" rIns="91425" wrap="square" tIns="45700">
+            <a:normAutofit fontScale="90000"/>
+          </a:bodyPr>
+          <a:lstStyle/>
+          <a:p>
+            <a:pPr indent="0" lvl="0" marL="0" rtl="0" algn="ctr">
+              <a:spcBef>
+                <a:spcPts val="0"/>
+              </a:spcBef>
+              <a:spcAft>
+                <a:spcPts val="0"/>
+              </a:spcAft>
+              <a:buNone/>
+            </a:pPr>
+            <a:r>
+              <a:rPr lang="es-CL"/>
+              <a:t>Funcionamiento ESP32</a:t>
+            </a:r>
+            <a:endParaRPr/>
+          </a:p>
+        </p:txBody>
+      </p:sp>
+      <p:pic>
+        <p:nvPicPr>
+          <p:cNvPr id="254" name="Google Shape;254;g316ec9e5039_0_27"/>
+          <p:cNvPicPr preferRelativeResize="0"/>
           <p:nvPr/>
-        </p:nvSpPr>
-        <p:spPr>
-          <a:xfrm>
-            <a:off x="0" y="3044279"/>
-            <a:ext cx="12191999" cy="769441"/>
+        </p:nvPicPr>
+        <p:blipFill>
+          <a:blip r:embed="rId3">
+            <a:alphaModFix/>
+          </a:blip>
+          <a:stretch>
+            <a:fillRect/>
+          </a:stretch>
+        </p:blipFill>
+        <p:spPr>
+          <a:xfrm>
+            <a:off x="3962400" y="1495941"/>
+            <a:ext cx="4245275" cy="5666858"/>
           </a:xfrm>
           <a:prstGeom prst="rect">
             <a:avLst/>
@@ -14494,45 +15109,12 @@
             <a:noFill/>
           </a:ln>
         </p:spPr>
-        <p:txBody>
-          <a:bodyPr anchorCtr="0" anchor="t" bIns="45700" lIns="91425" spcFirstLastPara="1" rIns="91425" wrap="square" tIns="45700">
-            <a:spAutoFit/>
-          </a:bodyPr>
-          <a:lstStyle/>
-          <a:p>
-            <a:pPr indent="0" lvl="0" marL="0" marR="0" rtl="0" algn="ctr">
-              <a:spcBef>
-                <a:spcPts val="0"/>
-              </a:spcBef>
-              <a:spcAft>
-                <a:spcPts val="0"/>
-              </a:spcAft>
-              <a:buNone/>
-            </a:pPr>
-            <a:r>
-              <a:rPr lang="es-CL" sz="4400">
-                <a:solidFill>
-                  <a:schemeClr val="dk1"/>
-                </a:solidFill>
-                <a:latin typeface="Calibri"/>
-                <a:ea typeface="Calibri"/>
-                <a:cs typeface="Calibri"/>
-                <a:sym typeface="Calibri"/>
-              </a:rPr>
-              <a:t>PREGUNTAS DE LA COMISIÓN</a:t>
-            </a:r>
-            <a:endParaRPr/>
-          </a:p>
-        </p:txBody>
-      </p:sp>
+      </p:pic>
     </p:spTree>
   </p:cSld>
   <p:clrMapOvr>
     <a:masterClrMapping/>
   </p:clrMapOvr>
-  <p:transition spd="slow">
-    <p:wipe dir="l"/>
-  </p:transition>
 </p:sld>
 </file>
 
@@ -15547,6 +16129,551 @@
 </p:sld>
 </file>
 
+<file path=ppt/slides/slide20.xml><?xml version="1.0" encoding="utf-8"?>
+<p:sld xmlns:a="http://schemas.openxmlformats.org/drawingml/2006/main" xmlns:r="http://schemas.openxmlformats.org/officeDocument/2006/relationships" xmlns:mc="http://schemas.openxmlformats.org/markup-compatibility/2006" xmlns:mv="urn:schemas-microsoft-com:mac:vml" xmlns:p="http://schemas.openxmlformats.org/presentationml/2006/main" xmlns:c="http://schemas.openxmlformats.org/drawingml/2006/chart" xmlns:dgm="http://schemas.openxmlformats.org/drawingml/2006/diagram" xmlns:o="urn:schemas-microsoft-com:office:office" xmlns:v="urn:schemas-microsoft-com:vml" xmlns:pvml="urn:schemas-microsoft-com:office:powerpoint" xmlns:com="http://schemas.openxmlformats.org/drawingml/2006/compatibility" xmlns:p14="http://schemas.microsoft.com/office/powerpoint/2010/main" xmlns:p15="http://schemas.microsoft.com/office/powerpoint/2012/main" xmlns:ahyp="http://schemas.microsoft.com/office/drawing/2018/hyperlinkcolor">
+  <p:cSld>
+    <p:spTree>
+      <p:nvGrpSpPr>
+        <p:cNvPr id="258" name="Shape 258"/>
+        <p:cNvGrpSpPr/>
+        <p:nvPr/>
+      </p:nvGrpSpPr>
+      <p:grpSpPr>
+        <a:xfrm>
+          <a:off x="0" y="0"/>
+          <a:ext cx="0" cy="0"/>
+          <a:chOff x="0" y="0"/>
+          <a:chExt cx="0" cy="0"/>
+        </a:xfrm>
+      </p:grpSpPr>
+      <p:sp>
+        <p:nvSpPr>
+          <p:cNvPr id="259" name="Google Shape;259;g316ec9e5039_0_32"/>
+          <p:cNvSpPr txBox="1"/>
+          <p:nvPr>
+            <p:ph type="ctrTitle"/>
+          </p:nvPr>
+        </p:nvSpPr>
+        <p:spPr>
+          <a:xfrm>
+            <a:off x="1524000" y="196341"/>
+            <a:ext cx="9144000" cy="690000"/>
+          </a:xfrm>
+          <a:prstGeom prst="rect">
+            <a:avLst/>
+          </a:prstGeom>
+        </p:spPr>
+        <p:txBody>
+          <a:bodyPr anchorCtr="0" anchor="b" bIns="45700" lIns="91425" spcFirstLastPara="1" rIns="91425" wrap="square" tIns="45700">
+            <a:normAutofit fontScale="90000"/>
+          </a:bodyPr>
+          <a:lstStyle/>
+          <a:p>
+            <a:pPr indent="0" lvl="0" marL="0" rtl="0" algn="ctr">
+              <a:spcBef>
+                <a:spcPts val="0"/>
+              </a:spcBef>
+              <a:spcAft>
+                <a:spcPts val="0"/>
+              </a:spcAft>
+              <a:buNone/>
+            </a:pPr>
+            <a:r>
+              <a:rPr lang="es-CL"/>
+              <a:t>Funcionamiento ESP32</a:t>
+            </a:r>
+            <a:endParaRPr/>
+          </a:p>
+        </p:txBody>
+      </p:sp>
+      <p:pic>
+        <p:nvPicPr>
+          <p:cNvPr id="260" name="Google Shape;260;g316ec9e5039_0_32"/>
+          <p:cNvPicPr preferRelativeResize="0"/>
+          <p:nvPr/>
+        </p:nvPicPr>
+        <p:blipFill>
+          <a:blip r:embed="rId3">
+            <a:alphaModFix/>
+          </a:blip>
+          <a:stretch>
+            <a:fillRect/>
+          </a:stretch>
+        </p:blipFill>
+        <p:spPr>
+          <a:xfrm>
+            <a:off x="3962400" y="1495941"/>
+            <a:ext cx="4245275" cy="5666858"/>
+          </a:xfrm>
+          <a:prstGeom prst="rect">
+            <a:avLst/>
+          </a:prstGeom>
+          <a:noFill/>
+          <a:ln>
+            <a:noFill/>
+          </a:ln>
+        </p:spPr>
+      </p:pic>
+    </p:spTree>
+  </p:cSld>
+  <p:clrMapOvr>
+    <a:masterClrMapping/>
+  </p:clrMapOvr>
+</p:sld>
+</file>
+
+<file path=ppt/slides/slide21.xml><?xml version="1.0" encoding="utf-8"?>
+<p:sld xmlns:a="http://schemas.openxmlformats.org/drawingml/2006/main" xmlns:r="http://schemas.openxmlformats.org/officeDocument/2006/relationships" xmlns:mc="http://schemas.openxmlformats.org/markup-compatibility/2006" xmlns:mv="urn:schemas-microsoft-com:mac:vml" xmlns:p="http://schemas.openxmlformats.org/presentationml/2006/main" xmlns:c="http://schemas.openxmlformats.org/drawingml/2006/chart" xmlns:dgm="http://schemas.openxmlformats.org/drawingml/2006/diagram" xmlns:o="urn:schemas-microsoft-com:office:office" xmlns:v="urn:schemas-microsoft-com:vml" xmlns:pvml="urn:schemas-microsoft-com:office:powerpoint" xmlns:com="http://schemas.openxmlformats.org/drawingml/2006/compatibility" xmlns:p14="http://schemas.microsoft.com/office/powerpoint/2010/main" xmlns:p15="http://schemas.microsoft.com/office/powerpoint/2012/main" xmlns:ahyp="http://schemas.microsoft.com/office/drawing/2018/hyperlinkcolor">
+  <p:cSld>
+    <p:spTree>
+      <p:nvGrpSpPr>
+        <p:cNvPr id="264" name="Shape 264"/>
+        <p:cNvGrpSpPr/>
+        <p:nvPr/>
+      </p:nvGrpSpPr>
+      <p:grpSpPr>
+        <a:xfrm>
+          <a:off x="0" y="0"/>
+          <a:ext cx="0" cy="0"/>
+          <a:chOff x="0" y="0"/>
+          <a:chExt cx="0" cy="0"/>
+        </a:xfrm>
+      </p:grpSpPr>
+      <p:pic>
+        <p:nvPicPr>
+          <p:cNvPr descr="EscuelaIT Duoc UC - Escuela de Informática y Telecomunicaciones Duoc UC - Duoc  UC | LinkedIn" id="265" name="Google Shape;265;p12"/>
+          <p:cNvPicPr preferRelativeResize="0"/>
+          <p:nvPr/>
+        </p:nvPicPr>
+        <p:blipFill rotWithShape="1">
+          <a:blip r:embed="rId3">
+            <a:alphaModFix/>
+          </a:blip>
+          <a:srcRect b="0" l="0" r="0" t="0"/>
+          <a:stretch/>
+        </p:blipFill>
+        <p:spPr>
+          <a:xfrm>
+            <a:off x="8772152" y="207550"/>
+            <a:ext cx="3141406" cy="785352"/>
+          </a:xfrm>
+          <a:prstGeom prst="rect">
+            <a:avLst/>
+          </a:prstGeom>
+          <a:noFill/>
+          <a:ln>
+            <a:noFill/>
+          </a:ln>
+        </p:spPr>
+      </p:pic>
+      <p:sp>
+        <p:nvSpPr>
+          <p:cNvPr id="266" name="Google Shape;266;p12"/>
+          <p:cNvSpPr txBox="1"/>
+          <p:nvPr/>
+        </p:nvSpPr>
+        <p:spPr>
+          <a:xfrm>
+            <a:off x="1" y="2707792"/>
+            <a:ext cx="12191999" cy="1138773"/>
+          </a:xfrm>
+          <a:prstGeom prst="rect">
+            <a:avLst/>
+          </a:prstGeom>
+          <a:noFill/>
+          <a:ln>
+            <a:noFill/>
+          </a:ln>
+        </p:spPr>
+        <p:txBody>
+          <a:bodyPr anchorCtr="0" anchor="t" bIns="45700" lIns="91425" spcFirstLastPara="1" rIns="91425" wrap="square" tIns="45700">
+            <a:spAutoFit/>
+          </a:bodyPr>
+          <a:lstStyle/>
+          <a:p>
+            <a:pPr indent="0" lvl="0" marL="0" marR="0" rtl="0" algn="ctr">
+              <a:spcBef>
+                <a:spcPts val="0"/>
+              </a:spcBef>
+              <a:spcAft>
+                <a:spcPts val="0"/>
+              </a:spcAft>
+              <a:buNone/>
+            </a:pPr>
+            <a:r>
+              <a:rPr lang="es-CL" sz="4400">
+                <a:solidFill>
+                  <a:schemeClr val="dk1"/>
+                </a:solidFill>
+                <a:latin typeface="Calibri"/>
+                <a:ea typeface="Calibri"/>
+                <a:cs typeface="Calibri"/>
+                <a:sym typeface="Calibri"/>
+              </a:rPr>
+              <a:t>DEMOSTRACIÓN DEL RESULTADO DEL PROYECTO</a:t>
+            </a:r>
+            <a:endParaRPr/>
+          </a:p>
+          <a:p>
+            <a:pPr indent="0" lvl="0" marL="0" marR="0" rtl="0" algn="ctr">
+              <a:spcBef>
+                <a:spcPts val="0"/>
+              </a:spcBef>
+              <a:spcAft>
+                <a:spcPts val="0"/>
+              </a:spcAft>
+              <a:buNone/>
+            </a:pPr>
+            <a:r>
+              <a:rPr lang="es-CL" sz="2400">
+                <a:solidFill>
+                  <a:srgbClr val="757070"/>
+                </a:solidFill>
+                <a:latin typeface="Calibri"/>
+                <a:ea typeface="Calibri"/>
+                <a:cs typeface="Calibri"/>
+                <a:sym typeface="Calibri"/>
+              </a:rPr>
+              <a:t>*Exposición del sistema</a:t>
+            </a:r>
+            <a:endParaRPr sz="2400">
+              <a:solidFill>
+                <a:srgbClr val="757070"/>
+              </a:solidFill>
+              <a:latin typeface="Calibri"/>
+              <a:ea typeface="Calibri"/>
+              <a:cs typeface="Calibri"/>
+              <a:sym typeface="Calibri"/>
+            </a:endParaRPr>
+          </a:p>
+        </p:txBody>
+      </p:sp>
+    </p:spTree>
+  </p:cSld>
+  <p:clrMapOvr>
+    <a:masterClrMapping/>
+  </p:clrMapOvr>
+  <p:transition spd="slow">
+    <p:wipe dir="l"/>
+  </p:transition>
+</p:sld>
+</file>
+
+<file path=ppt/slides/slide22.xml><?xml version="1.0" encoding="utf-8"?>
+<p:sld xmlns:a="http://schemas.openxmlformats.org/drawingml/2006/main" xmlns:r="http://schemas.openxmlformats.org/officeDocument/2006/relationships" xmlns:mc="http://schemas.openxmlformats.org/markup-compatibility/2006" xmlns:mv="urn:schemas-microsoft-com:mac:vml" xmlns:p="http://schemas.openxmlformats.org/presentationml/2006/main" xmlns:c="http://schemas.openxmlformats.org/drawingml/2006/chart" xmlns:dgm="http://schemas.openxmlformats.org/drawingml/2006/diagram" xmlns:o="urn:schemas-microsoft-com:office:office" xmlns:v="urn:schemas-microsoft-com:vml" xmlns:pvml="urn:schemas-microsoft-com:office:powerpoint" xmlns:com="http://schemas.openxmlformats.org/drawingml/2006/compatibility" xmlns:p14="http://schemas.microsoft.com/office/powerpoint/2010/main" xmlns:p15="http://schemas.microsoft.com/office/powerpoint/2012/main" xmlns:ahyp="http://schemas.microsoft.com/office/drawing/2018/hyperlinkcolor">
+  <p:cSld>
+    <p:spTree>
+      <p:nvGrpSpPr>
+        <p:cNvPr id="270" name="Shape 270"/>
+        <p:cNvGrpSpPr/>
+        <p:nvPr/>
+      </p:nvGrpSpPr>
+      <p:grpSpPr>
+        <a:xfrm>
+          <a:off x="0" y="0"/>
+          <a:ext cx="0" cy="0"/>
+          <a:chOff x="0" y="0"/>
+          <a:chExt cx="0" cy="0"/>
+        </a:xfrm>
+      </p:grpSpPr>
+      <p:pic>
+        <p:nvPicPr>
+          <p:cNvPr descr="EscuelaIT Duoc UC - Escuela de Informática y Telecomunicaciones Duoc UC - Duoc  UC | LinkedIn" id="271" name="Google Shape;271;p13"/>
+          <p:cNvPicPr preferRelativeResize="0"/>
+          <p:nvPr/>
+        </p:nvPicPr>
+        <p:blipFill rotWithShape="1">
+          <a:blip r:embed="rId3">
+            <a:alphaModFix/>
+          </a:blip>
+          <a:srcRect b="0" l="0" r="0" t="0"/>
+          <a:stretch/>
+        </p:blipFill>
+        <p:spPr>
+          <a:xfrm>
+            <a:off x="8772152" y="207550"/>
+            <a:ext cx="3141406" cy="785352"/>
+          </a:xfrm>
+          <a:prstGeom prst="rect">
+            <a:avLst/>
+          </a:prstGeom>
+          <a:noFill/>
+          <a:ln>
+            <a:noFill/>
+          </a:ln>
+        </p:spPr>
+      </p:pic>
+      <p:sp>
+        <p:nvSpPr>
+          <p:cNvPr id="272" name="Google Shape;272;p13"/>
+          <p:cNvSpPr txBox="1"/>
+          <p:nvPr/>
+        </p:nvSpPr>
+        <p:spPr>
+          <a:xfrm>
+            <a:off x="1" y="1459095"/>
+            <a:ext cx="12191999" cy="769441"/>
+          </a:xfrm>
+          <a:prstGeom prst="rect">
+            <a:avLst/>
+          </a:prstGeom>
+          <a:noFill/>
+          <a:ln>
+            <a:noFill/>
+          </a:ln>
+        </p:spPr>
+        <p:txBody>
+          <a:bodyPr anchorCtr="0" anchor="t" bIns="45700" lIns="91425" spcFirstLastPara="1" rIns="91425" wrap="square" tIns="45700">
+            <a:spAutoFit/>
+          </a:bodyPr>
+          <a:lstStyle/>
+          <a:p>
+            <a:pPr indent="0" lvl="0" marL="0" marR="0" rtl="0" algn="ctr">
+              <a:spcBef>
+                <a:spcPts val="0"/>
+              </a:spcBef>
+              <a:spcAft>
+                <a:spcPts val="0"/>
+              </a:spcAft>
+              <a:buNone/>
+            </a:pPr>
+            <a:r>
+              <a:rPr lang="es-CL" sz="4400">
+                <a:solidFill>
+                  <a:schemeClr val="dk1"/>
+                </a:solidFill>
+                <a:latin typeface="Calibri"/>
+                <a:ea typeface="Calibri"/>
+                <a:cs typeface="Calibri"/>
+                <a:sym typeface="Calibri"/>
+              </a:rPr>
+              <a:t>Resultados obtenidos</a:t>
+            </a:r>
+            <a:endParaRPr/>
+          </a:p>
+        </p:txBody>
+      </p:sp>
+    </p:spTree>
+  </p:cSld>
+  <p:clrMapOvr>
+    <a:masterClrMapping/>
+  </p:clrMapOvr>
+  <p:transition spd="slow">
+    <p:wipe dir="l"/>
+  </p:transition>
+</p:sld>
+</file>
+
+<file path=ppt/slides/slide23.xml><?xml version="1.0" encoding="utf-8"?>
+<p:sld xmlns:a="http://schemas.openxmlformats.org/drawingml/2006/main" xmlns:r="http://schemas.openxmlformats.org/officeDocument/2006/relationships" xmlns:mc="http://schemas.openxmlformats.org/markup-compatibility/2006" xmlns:mv="urn:schemas-microsoft-com:mac:vml" xmlns:p="http://schemas.openxmlformats.org/presentationml/2006/main" xmlns:c="http://schemas.openxmlformats.org/drawingml/2006/chart" xmlns:dgm="http://schemas.openxmlformats.org/drawingml/2006/diagram" xmlns:o="urn:schemas-microsoft-com:office:office" xmlns:v="urn:schemas-microsoft-com:vml" xmlns:pvml="urn:schemas-microsoft-com:office:powerpoint" xmlns:com="http://schemas.openxmlformats.org/drawingml/2006/compatibility" xmlns:p14="http://schemas.microsoft.com/office/powerpoint/2010/main" xmlns:p15="http://schemas.microsoft.com/office/powerpoint/2012/main" xmlns:ahyp="http://schemas.microsoft.com/office/drawing/2018/hyperlinkcolor">
+  <p:cSld>
+    <p:spTree>
+      <p:nvGrpSpPr>
+        <p:cNvPr id="276" name="Shape 276"/>
+        <p:cNvGrpSpPr/>
+        <p:nvPr/>
+      </p:nvGrpSpPr>
+      <p:grpSpPr>
+        <a:xfrm>
+          <a:off x="0" y="0"/>
+          <a:ext cx="0" cy="0"/>
+          <a:chOff x="0" y="0"/>
+          <a:chExt cx="0" cy="0"/>
+        </a:xfrm>
+      </p:grpSpPr>
+      <p:pic>
+        <p:nvPicPr>
+          <p:cNvPr descr="EscuelaIT Duoc UC - Escuela de Informática y Telecomunicaciones Duoc UC - Duoc  UC | LinkedIn" id="277" name="Google Shape;277;p14"/>
+          <p:cNvPicPr preferRelativeResize="0"/>
+          <p:nvPr/>
+        </p:nvPicPr>
+        <p:blipFill rotWithShape="1">
+          <a:blip r:embed="rId3">
+            <a:alphaModFix/>
+          </a:blip>
+          <a:srcRect b="0" l="0" r="0" t="0"/>
+          <a:stretch/>
+        </p:blipFill>
+        <p:spPr>
+          <a:xfrm>
+            <a:off x="8772152" y="207550"/>
+            <a:ext cx="3141406" cy="785352"/>
+          </a:xfrm>
+          <a:prstGeom prst="rect">
+            <a:avLst/>
+          </a:prstGeom>
+          <a:noFill/>
+          <a:ln>
+            <a:noFill/>
+          </a:ln>
+        </p:spPr>
+      </p:pic>
+      <p:sp>
+        <p:nvSpPr>
+          <p:cNvPr id="278" name="Google Shape;278;p14"/>
+          <p:cNvSpPr txBox="1"/>
+          <p:nvPr/>
+        </p:nvSpPr>
+        <p:spPr>
+          <a:xfrm>
+            <a:off x="1" y="1360773"/>
+            <a:ext cx="12191999" cy="769441"/>
+          </a:xfrm>
+          <a:prstGeom prst="rect">
+            <a:avLst/>
+          </a:prstGeom>
+          <a:noFill/>
+          <a:ln>
+            <a:noFill/>
+          </a:ln>
+        </p:spPr>
+        <p:txBody>
+          <a:bodyPr anchorCtr="0" anchor="t" bIns="45700" lIns="91425" spcFirstLastPara="1" rIns="91425" wrap="square" tIns="45700">
+            <a:spAutoFit/>
+          </a:bodyPr>
+          <a:lstStyle/>
+          <a:p>
+            <a:pPr indent="0" lvl="0" marL="0" marR="0" rtl="0" algn="ctr">
+              <a:spcBef>
+                <a:spcPts val="0"/>
+              </a:spcBef>
+              <a:spcAft>
+                <a:spcPts val="0"/>
+              </a:spcAft>
+              <a:buNone/>
+            </a:pPr>
+            <a:r>
+              <a:rPr lang="es-CL" sz="4400">
+                <a:solidFill>
+                  <a:schemeClr val="dk1"/>
+                </a:solidFill>
+                <a:latin typeface="Calibri"/>
+                <a:ea typeface="Calibri"/>
+                <a:cs typeface="Calibri"/>
+                <a:sym typeface="Calibri"/>
+              </a:rPr>
+              <a:t>Obstáculos presentados durante el desarrollo</a:t>
+            </a:r>
+            <a:endParaRPr/>
+          </a:p>
+        </p:txBody>
+      </p:sp>
+    </p:spTree>
+  </p:cSld>
+  <p:clrMapOvr>
+    <a:masterClrMapping/>
+  </p:clrMapOvr>
+  <p:transition spd="slow">
+    <p:wipe dir="l"/>
+  </p:transition>
+</p:sld>
+</file>
+
+<file path=ppt/slides/slide24.xml><?xml version="1.0" encoding="utf-8"?>
+<p:sld xmlns:a="http://schemas.openxmlformats.org/drawingml/2006/main" xmlns:r="http://schemas.openxmlformats.org/officeDocument/2006/relationships" xmlns:mc="http://schemas.openxmlformats.org/markup-compatibility/2006" xmlns:mv="urn:schemas-microsoft-com:mac:vml" xmlns:p="http://schemas.openxmlformats.org/presentationml/2006/main" xmlns:c="http://schemas.openxmlformats.org/drawingml/2006/chart" xmlns:dgm="http://schemas.openxmlformats.org/drawingml/2006/diagram" xmlns:o="urn:schemas-microsoft-com:office:office" xmlns:v="urn:schemas-microsoft-com:vml" xmlns:pvml="urn:schemas-microsoft-com:office:powerpoint" xmlns:com="http://schemas.openxmlformats.org/drawingml/2006/compatibility" xmlns:p14="http://schemas.microsoft.com/office/powerpoint/2010/main" xmlns:p15="http://schemas.microsoft.com/office/powerpoint/2012/main" xmlns:ahyp="http://schemas.microsoft.com/office/drawing/2018/hyperlinkcolor">
+  <p:cSld>
+    <p:spTree>
+      <p:nvGrpSpPr>
+        <p:cNvPr id="282" name="Shape 282"/>
+        <p:cNvGrpSpPr/>
+        <p:nvPr/>
+      </p:nvGrpSpPr>
+      <p:grpSpPr>
+        <a:xfrm>
+          <a:off x="0" y="0"/>
+          <a:ext cx="0" cy="0"/>
+          <a:chOff x="0" y="0"/>
+          <a:chExt cx="0" cy="0"/>
+        </a:xfrm>
+      </p:grpSpPr>
+      <p:pic>
+        <p:nvPicPr>
+          <p:cNvPr descr="EscuelaIT Duoc UC - Escuela de Informática y Telecomunicaciones Duoc UC - Duoc  UC | LinkedIn" id="283" name="Google Shape;283;p15"/>
+          <p:cNvPicPr preferRelativeResize="0"/>
+          <p:nvPr/>
+        </p:nvPicPr>
+        <p:blipFill rotWithShape="1">
+          <a:blip r:embed="rId3">
+            <a:alphaModFix/>
+          </a:blip>
+          <a:srcRect b="0" l="0" r="0" t="0"/>
+          <a:stretch/>
+        </p:blipFill>
+        <p:spPr>
+          <a:xfrm>
+            <a:off x="8772152" y="207550"/>
+            <a:ext cx="3141406" cy="785352"/>
+          </a:xfrm>
+          <a:prstGeom prst="rect">
+            <a:avLst/>
+          </a:prstGeom>
+          <a:noFill/>
+          <a:ln>
+            <a:noFill/>
+          </a:ln>
+        </p:spPr>
+      </p:pic>
+      <p:sp>
+        <p:nvSpPr>
+          <p:cNvPr id="284" name="Google Shape;284;p15"/>
+          <p:cNvSpPr txBox="1"/>
+          <p:nvPr/>
+        </p:nvSpPr>
+        <p:spPr>
+          <a:xfrm>
+            <a:off x="0" y="3044279"/>
+            <a:ext cx="12191999" cy="769441"/>
+          </a:xfrm>
+          <a:prstGeom prst="rect">
+            <a:avLst/>
+          </a:prstGeom>
+          <a:noFill/>
+          <a:ln>
+            <a:noFill/>
+          </a:ln>
+        </p:spPr>
+        <p:txBody>
+          <a:bodyPr anchorCtr="0" anchor="t" bIns="45700" lIns="91425" spcFirstLastPara="1" rIns="91425" wrap="square" tIns="45700">
+            <a:spAutoFit/>
+          </a:bodyPr>
+          <a:lstStyle/>
+          <a:p>
+            <a:pPr indent="0" lvl="0" marL="0" marR="0" rtl="0" algn="ctr">
+              <a:spcBef>
+                <a:spcPts val="0"/>
+              </a:spcBef>
+              <a:spcAft>
+                <a:spcPts val="0"/>
+              </a:spcAft>
+              <a:buNone/>
+            </a:pPr>
+            <a:r>
+              <a:rPr lang="es-CL" sz="4400">
+                <a:solidFill>
+                  <a:schemeClr val="dk1"/>
+                </a:solidFill>
+                <a:latin typeface="Calibri"/>
+                <a:ea typeface="Calibri"/>
+                <a:cs typeface="Calibri"/>
+                <a:sym typeface="Calibri"/>
+              </a:rPr>
+              <a:t>PREGUNTAS DE LA COMISIÓN</a:t>
+            </a:r>
+            <a:endParaRPr/>
+          </a:p>
+        </p:txBody>
+      </p:sp>
+    </p:spTree>
+  </p:cSld>
+  <p:clrMapOvr>
+    <a:masterClrMapping/>
+  </p:clrMapOvr>
+  <p:transition spd="slow">
+    <p:wipe dir="l"/>
+  </p:transition>
+</p:sld>
+</file>
+
 <file path=ppt/slides/slide3.xml><?xml version="1.0" encoding="utf-8"?>
 <p:sld xmlns:a="http://schemas.openxmlformats.org/drawingml/2006/main" xmlns:r="http://schemas.openxmlformats.org/officeDocument/2006/relationships" xmlns:mc="http://schemas.openxmlformats.org/markup-compatibility/2006" xmlns:mv="urn:schemas-microsoft-com:mac:vml" xmlns:p="http://schemas.openxmlformats.org/presentationml/2006/main" xmlns:c="http://schemas.openxmlformats.org/drawingml/2006/chart" xmlns:dgm="http://schemas.openxmlformats.org/drawingml/2006/diagram" xmlns:o="urn:schemas-microsoft-com:office:office" xmlns:v="urn:schemas-microsoft-com:vml" xmlns:pvml="urn:schemas-microsoft-com:office:powerpoint" xmlns:com="http://schemas.openxmlformats.org/drawingml/2006/compatibility" xmlns:p14="http://schemas.microsoft.com/office/powerpoint/2010/main" xmlns:p15="http://schemas.microsoft.com/office/powerpoint/2012/main" xmlns:ahyp="http://schemas.microsoft.com/office/drawing/2018/hyperlinkcolor">
   <p:cSld>
@@ -16690,19 +17817,7 @@
                 <a:cs typeface="Calibri"/>
                 <a:sym typeface="Calibri"/>
               </a:rPr>
-              <a:t>Gestionar los equipos médicos en hospitales para mejorar la operatividad y eficiencia en el uso de estos dispositivos. </a:t>
-            </a:r>
-            <a:r>
-              <a:rPr lang="es-CL" sz="2000">
-                <a:solidFill>
-                  <a:schemeClr val="dk1"/>
-                </a:solidFill>
-                <a:latin typeface="Calibri"/>
-                <a:ea typeface="Calibri"/>
-                <a:cs typeface="Calibri"/>
-                <a:sym typeface="Calibri"/>
-              </a:rPr>
-              <a:t>Desarrollar un sistema que permita la localización de los equipos médicos.</a:t>
+              <a:t>Mejorar la gestión del uso de los equipos médicos en hospitales para mejorar la operatividad y eficiencia en el uso de estos dispositivos.</a:t>
             </a:r>
             <a:endParaRPr sz="2000">
               <a:solidFill>
@@ -16775,7 +17890,31 @@
                 <a:cs typeface="Calibri"/>
                 <a:sym typeface="Calibri"/>
               </a:rPr>
-              <a:t>Crear interfaces para dispositivos móviles (Expo) y web (Next.js) que permitan gestionar la ubicación y estado de equipos médicos en tiempo real. Se medirá el progreso mediante la creación de repositorios separados y la implementación del 100% de las funcionalidades dentro de 10 semanas.</a:t>
+              <a:t>Facilitar la </a:t>
+            </a:r>
+            <a:r>
+              <a:rPr lang="es-CL" sz="2000">
+                <a:solidFill>
+                  <a:schemeClr val="dk1"/>
+                </a:solidFill>
+                <a:latin typeface="Calibri"/>
+                <a:ea typeface="Calibri"/>
+                <a:cs typeface="Calibri"/>
+                <a:sym typeface="Calibri"/>
+              </a:rPr>
+              <a:t>búsqueda</a:t>
+            </a:r>
+            <a:r>
+              <a:rPr lang="es-CL" sz="2000">
+                <a:solidFill>
+                  <a:schemeClr val="dk1"/>
+                </a:solidFill>
+                <a:latin typeface="Calibri"/>
+                <a:ea typeface="Calibri"/>
+                <a:cs typeface="Calibri"/>
+                <a:sym typeface="Calibri"/>
+              </a:rPr>
+              <a:t> de equipos médicos en instituciones de salud para los trabajadores.</a:t>
             </a:r>
             <a:endParaRPr sz="2000">
               <a:solidFill>
@@ -16835,7 +17974,79 @@
                 <a:cs typeface="Calibri"/>
                 <a:sym typeface="Calibri"/>
               </a:rPr>
-              <a:t>Desarrollar un sistema de rastreo que permita visualizar equipos médicos en mapas, con una precisión mínima del 90%, y pruebas piloto en la sede de Duoc Antonio Varas. El sistema deberá estar funcional en al menos dos puertas y un equipo médico en un plazo de 10 semanas.</a:t>
+              <a:t>Ubicar los equipos médicos en tiempo casi real.</a:t>
+            </a:r>
+            <a:endParaRPr sz="2000">
+              <a:solidFill>
+                <a:schemeClr val="dk1"/>
+              </a:solidFill>
+              <a:latin typeface="Calibri"/>
+              <a:ea typeface="Calibri"/>
+              <a:cs typeface="Calibri"/>
+              <a:sym typeface="Calibri"/>
+            </a:endParaRPr>
+          </a:p>
+          <a:p>
+            <a:pPr indent="0" lvl="0" marL="457200" marR="0" rtl="0" algn="l">
+              <a:spcBef>
+                <a:spcPts val="0"/>
+              </a:spcBef>
+              <a:spcAft>
+                <a:spcPts val="0"/>
+              </a:spcAft>
+              <a:buNone/>
+            </a:pPr>
+            <a:r>
+              <a:t/>
+            </a:r>
+            <a:endParaRPr sz="2000">
+              <a:solidFill>
+                <a:schemeClr val="dk1"/>
+              </a:solidFill>
+              <a:latin typeface="Calibri"/>
+              <a:ea typeface="Calibri"/>
+              <a:cs typeface="Calibri"/>
+              <a:sym typeface="Calibri"/>
+            </a:endParaRPr>
+          </a:p>
+          <a:p>
+            <a:pPr indent="-355600" lvl="0" marL="457200" rtl="0" algn="l">
+              <a:spcBef>
+                <a:spcPts val="0"/>
+              </a:spcBef>
+              <a:spcAft>
+                <a:spcPts val="0"/>
+              </a:spcAft>
+              <a:buClr>
+                <a:schemeClr val="dk1"/>
+              </a:buClr>
+              <a:buSzPts val="2000"/>
+              <a:buFont typeface="Calibri"/>
+              <a:buChar char="-"/>
+            </a:pPr>
+            <a:r>
+              <a:rPr lang="es-CL" sz="2000">
+                <a:solidFill>
+                  <a:schemeClr val="dk1"/>
+                </a:solidFill>
+                <a:latin typeface="Calibri"/>
+                <a:ea typeface="Calibri"/>
+                <a:cs typeface="Calibri"/>
+                <a:sym typeface="Calibri"/>
+              </a:rPr>
+              <a:t>P</a:t>
+            </a:r>
+            <a:r>
+              <a:rPr lang="es-CL" sz="2000">
+                <a:solidFill>
+                  <a:schemeClr val="dk1"/>
+                </a:solidFill>
+                <a:latin typeface="Calibri"/>
+                <a:ea typeface="Calibri"/>
+                <a:cs typeface="Calibri"/>
+                <a:sym typeface="Calibri"/>
+              </a:rPr>
+              <a:t>ermitir a los administradores del centro médico comunicar a los trabajadores actualizaciones y modificaciones de estado de los equipos médicos.</a:t>
             </a:r>
             <a:endParaRPr sz="2000">
               <a:solidFill>
@@ -16995,446 +18206,9 @@
           <a:chExt cx="0" cy="0"/>
         </a:xfrm>
       </p:grpSpPr>
-      <p:pic>
-        <p:nvPicPr>
-          <p:cNvPr descr="EscuelaIT Duoc UC - Escuela de Informática y Telecomunicaciones Duoc UC - Duoc  UC | LinkedIn" id="130" name="Google Shape;130;g30c6cb7589a_0_19"/>
-          <p:cNvPicPr preferRelativeResize="0"/>
-          <p:nvPr/>
-        </p:nvPicPr>
-        <p:blipFill rotWithShape="1">
-          <a:blip r:embed="rId3">
-            <a:alphaModFix/>
-          </a:blip>
-          <a:srcRect b="0" l="0" r="0" t="0"/>
-          <a:stretch/>
-        </p:blipFill>
-        <p:spPr>
-          <a:xfrm>
-            <a:off x="8772152" y="207550"/>
-            <a:ext cx="3141406" cy="785352"/>
-          </a:xfrm>
-          <a:prstGeom prst="rect">
-            <a:avLst/>
-          </a:prstGeom>
-          <a:noFill/>
-          <a:ln>
-            <a:noFill/>
-          </a:ln>
-        </p:spPr>
-      </p:pic>
       <p:sp>
         <p:nvSpPr>
-          <p:cNvPr id="131" name="Google Shape;131;g30c6cb7589a_0_19"/>
-          <p:cNvSpPr txBox="1"/>
-          <p:nvPr/>
-        </p:nvSpPr>
-        <p:spPr>
-          <a:xfrm>
-            <a:off x="136188" y="368928"/>
-            <a:ext cx="12192000" cy="369300"/>
-          </a:xfrm>
-          <a:prstGeom prst="rect">
-            <a:avLst/>
-          </a:prstGeom>
-          <a:noFill/>
-          <a:ln>
-            <a:noFill/>
-          </a:ln>
-        </p:spPr>
-        <p:txBody>
-          <a:bodyPr anchorCtr="0" anchor="t" bIns="45700" lIns="91425" spcFirstLastPara="1" rIns="91425" wrap="square" tIns="45700">
-            <a:spAutoFit/>
-          </a:bodyPr>
-          <a:lstStyle/>
-          <a:p>
-            <a:pPr indent="0" lvl="0" marL="0" marR="0" rtl="0" algn="l">
-              <a:spcBef>
-                <a:spcPts val="0"/>
-              </a:spcBef>
-              <a:spcAft>
-                <a:spcPts val="0"/>
-              </a:spcAft>
-              <a:buNone/>
-            </a:pPr>
-            <a:r>
-              <a:rPr lang="es-CL" sz="1800">
-                <a:solidFill>
-                  <a:srgbClr val="757070"/>
-                </a:solidFill>
-                <a:latin typeface="Calibri"/>
-                <a:ea typeface="Calibri"/>
-                <a:cs typeface="Calibri"/>
-                <a:sym typeface="Calibri"/>
-              </a:rPr>
-              <a:t>PROYECTO “HIR”</a:t>
-            </a:r>
-            <a:endParaRPr/>
-          </a:p>
-        </p:txBody>
-      </p:sp>
-      <p:cxnSp>
-        <p:nvCxnSpPr>
-          <p:cNvPr id="132" name="Google Shape;132;g30c6cb7589a_0_19"/>
-          <p:cNvCxnSpPr/>
-          <p:nvPr/>
-        </p:nvCxnSpPr>
-        <p:spPr>
-          <a:xfrm>
-            <a:off x="0" y="758027"/>
-            <a:ext cx="4085700" cy="0"/>
-          </a:xfrm>
-          <a:prstGeom prst="straightConnector1">
-            <a:avLst/>
-          </a:prstGeom>
-          <a:noFill/>
-          <a:ln cap="flat" cmpd="sng" w="15875">
-            <a:solidFill>
-              <a:srgbClr val="F5F7FC"/>
-            </a:solidFill>
-            <a:prstDash val="solid"/>
-            <a:miter lim="800000"/>
-            <a:headEnd len="sm" w="sm" type="none"/>
-            <a:tailEnd len="sm" w="sm" type="none"/>
-          </a:ln>
-        </p:spPr>
-      </p:cxnSp>
-      <p:sp>
-        <p:nvSpPr>
-          <p:cNvPr id="133" name="Google Shape;133;g30c6cb7589a_0_19"/>
-          <p:cNvSpPr txBox="1"/>
-          <p:nvPr/>
-        </p:nvSpPr>
-        <p:spPr>
-          <a:xfrm>
-            <a:off x="1" y="1142196"/>
-            <a:ext cx="12192000" cy="646500"/>
-          </a:xfrm>
-          <a:prstGeom prst="rect">
-            <a:avLst/>
-          </a:prstGeom>
-          <a:noFill/>
-          <a:ln>
-            <a:noFill/>
-          </a:ln>
-        </p:spPr>
-        <p:txBody>
-          <a:bodyPr anchorCtr="0" anchor="t" bIns="45700" lIns="91425" spcFirstLastPara="1" rIns="91425" wrap="square" tIns="45700">
-            <a:spAutoFit/>
-          </a:bodyPr>
-          <a:lstStyle/>
-          <a:p>
-            <a:pPr indent="0" lvl="0" marL="0" marR="0" rtl="0" algn="ctr">
-              <a:spcBef>
-                <a:spcPts val="0"/>
-              </a:spcBef>
-              <a:spcAft>
-                <a:spcPts val="0"/>
-              </a:spcAft>
-              <a:buNone/>
-            </a:pPr>
-            <a:r>
-              <a:rPr lang="es-CL" sz="3600">
-                <a:solidFill>
-                  <a:schemeClr val="dk1"/>
-                </a:solidFill>
-                <a:latin typeface="Calibri"/>
-                <a:ea typeface="Calibri"/>
-                <a:cs typeface="Calibri"/>
-                <a:sym typeface="Calibri"/>
-              </a:rPr>
-              <a:t>Objetivos Específicos</a:t>
-            </a:r>
-            <a:endParaRPr sz="1800">
-              <a:solidFill>
-                <a:schemeClr val="dk1"/>
-              </a:solidFill>
-              <a:latin typeface="Calibri"/>
-              <a:ea typeface="Calibri"/>
-              <a:cs typeface="Calibri"/>
-              <a:sym typeface="Calibri"/>
-            </a:endParaRPr>
-          </a:p>
-        </p:txBody>
-      </p:sp>
-      <p:sp>
-        <p:nvSpPr>
-          <p:cNvPr id="134" name="Google Shape;134;g30c6cb7589a_0_19"/>
-          <p:cNvSpPr/>
-          <p:nvPr/>
-        </p:nvSpPr>
-        <p:spPr>
-          <a:xfrm>
-            <a:off x="614550" y="2591845"/>
-            <a:ext cx="10962900" cy="2723100"/>
-          </a:xfrm>
-          <a:prstGeom prst="roundRect">
-            <a:avLst>
-              <a:gd fmla="val 16667" name="adj"/>
-            </a:avLst>
-          </a:prstGeom>
-          <a:solidFill>
-            <a:schemeClr val="lt1"/>
-          </a:solidFill>
-          <a:ln cap="flat" cmpd="sng" w="12700">
-            <a:solidFill>
-              <a:schemeClr val="accent1"/>
-            </a:solidFill>
-            <a:prstDash val="solid"/>
-            <a:miter lim="800000"/>
-            <a:headEnd len="sm" w="sm" type="none"/>
-            <a:tailEnd len="sm" w="sm" type="none"/>
-          </a:ln>
-        </p:spPr>
-        <p:txBody>
-          <a:bodyPr anchorCtr="0" anchor="ctr" bIns="45700" lIns="91425" spcFirstLastPara="1" rIns="91425" wrap="square" tIns="45700">
-            <a:noAutofit/>
-          </a:bodyPr>
-          <a:lstStyle/>
-          <a:p>
-            <a:pPr indent="-355600" lvl="0" marL="457200" rtl="0" algn="l">
-              <a:spcBef>
-                <a:spcPts val="0"/>
-              </a:spcBef>
-              <a:spcAft>
-                <a:spcPts val="0"/>
-              </a:spcAft>
-              <a:buClr>
-                <a:schemeClr val="dk1"/>
-              </a:buClr>
-              <a:buSzPts val="2000"/>
-              <a:buFont typeface="Calibri"/>
-              <a:buChar char="-"/>
-            </a:pPr>
-            <a:r>
-              <a:rPr lang="es-CL" sz="2000">
-                <a:solidFill>
-                  <a:schemeClr val="dk1"/>
-                </a:solidFill>
-                <a:latin typeface="Calibri"/>
-                <a:ea typeface="Calibri"/>
-                <a:cs typeface="Calibri"/>
-                <a:sym typeface="Calibri"/>
-              </a:rPr>
-              <a:t>Implementar un sistema de visualización interactiva de mapas que cubra al menos el 80% de las áreas designadas en la Torre Varas del Duoc. Este sistema permitirá ubicar rápidamente los equipos médicos, con un plazo de 10 semanas para su desarrollo completo.</a:t>
-            </a:r>
-            <a:endParaRPr sz="2000">
-              <a:solidFill>
-                <a:schemeClr val="dk1"/>
-              </a:solidFill>
-              <a:latin typeface="Calibri"/>
-              <a:ea typeface="Calibri"/>
-              <a:cs typeface="Calibri"/>
-              <a:sym typeface="Calibri"/>
-            </a:endParaRPr>
-          </a:p>
-          <a:p>
-            <a:pPr indent="0" lvl="0" marL="457200" rtl="0" algn="l">
-              <a:spcBef>
-                <a:spcPts val="0"/>
-              </a:spcBef>
-              <a:spcAft>
-                <a:spcPts val="0"/>
-              </a:spcAft>
-              <a:buNone/>
-            </a:pPr>
-            <a:r>
-              <a:t/>
-            </a:r>
-            <a:endParaRPr sz="2000">
-              <a:solidFill>
-                <a:schemeClr val="dk1"/>
-              </a:solidFill>
-              <a:latin typeface="Calibri"/>
-              <a:ea typeface="Calibri"/>
-              <a:cs typeface="Calibri"/>
-              <a:sym typeface="Calibri"/>
-            </a:endParaRPr>
-          </a:p>
-          <a:p>
-            <a:pPr indent="-355600" lvl="0" marL="457200" marR="0" rtl="0" algn="l">
-              <a:spcBef>
-                <a:spcPts val="0"/>
-              </a:spcBef>
-              <a:spcAft>
-                <a:spcPts val="0"/>
-              </a:spcAft>
-              <a:buClr>
-                <a:schemeClr val="dk1"/>
-              </a:buClr>
-              <a:buSzPts val="2000"/>
-              <a:buFont typeface="Calibri"/>
-              <a:buChar char="-"/>
-            </a:pPr>
-            <a:r>
-              <a:rPr lang="es-CL" sz="2000">
-                <a:solidFill>
-                  <a:schemeClr val="dk1"/>
-                </a:solidFill>
-                <a:latin typeface="Calibri"/>
-                <a:ea typeface="Calibri"/>
-                <a:cs typeface="Calibri"/>
-                <a:sym typeface="Calibri"/>
-              </a:rPr>
-              <a:t>Realizar pruebas unitarias para asegurar que el 70% de las funcionalidades clave de la aplicación web y móvil funcionen correctamente. Se utilizarán frameworks como Jest y las pruebas se completarán en un plazo de 6 semanas antes de la fase de integración.</a:t>
-            </a:r>
-            <a:endParaRPr sz="2000">
-              <a:solidFill>
-                <a:schemeClr val="dk1"/>
-              </a:solidFill>
-              <a:latin typeface="Calibri"/>
-              <a:ea typeface="Calibri"/>
-              <a:cs typeface="Calibri"/>
-              <a:sym typeface="Calibri"/>
-            </a:endParaRPr>
-          </a:p>
-        </p:txBody>
-      </p:sp>
-    </p:spTree>
-  </p:cSld>
-  <p:clrMapOvr>
-    <a:masterClrMapping/>
-  </p:clrMapOvr>
-  <p:timing>
-    <p:tnLst>
-      <p:par>
-        <p:cTn dur="indefinite" nodeType="tmRoot" restart="never">
-          <p:childTnLst>
-            <p:seq concurrent="1" nextAc="seek">
-              <p:cTn dur="indefinite" id="2" nodeType="mainSeq">
-                <p:childTnLst>
-                  <p:par>
-                    <p:cTn fill="hold">
-                      <p:stCondLst>
-                        <p:cond delay="indefinite"/>
-                      </p:stCondLst>
-                      <p:childTnLst>
-                        <p:par>
-                          <p:cTn fill="hold">
-                            <p:stCondLst>
-                              <p:cond delay="0"/>
-                            </p:stCondLst>
-                            <p:childTnLst>
-                              <p:par>
-                                <p:cTn fill="hold" nodeType="clickEffect" presetClass="entr" presetID="10" presetSubtype="0">
-                                  <p:stCondLst>
-                                    <p:cond delay="0"/>
-                                  </p:stCondLst>
-                                  <p:childTnLst>
-                                    <p:set>
-                                      <p:cBhvr>
-                                        <p:cTn dur="1" fill="hold">
-                                          <p:stCondLst>
-                                            <p:cond delay="0"/>
-                                          </p:stCondLst>
-                                        </p:cTn>
-                                        <p:tgtEl>
-                                          <p:spTgt spid="133"/>
-                                        </p:tgtEl>
-                                        <p:attrNameLst>
-                                          <p:attrName>style.visibility</p:attrName>
-                                        </p:attrNameLst>
-                                      </p:cBhvr>
-                                      <p:to>
-                                        <p:strVal val="visible"/>
-                                      </p:to>
-                                    </p:set>
-                                    <p:animEffect filter="fade" transition="in">
-                                      <p:cBhvr>
-                                        <p:cTn dur="500"/>
-                                        <p:tgtEl>
-                                          <p:spTgt spid="133"/>
-                                        </p:tgtEl>
-                                      </p:cBhvr>
-                                    </p:animEffect>
-                                  </p:childTnLst>
-                                </p:cTn>
-                              </p:par>
-                              <p:par>
-                                <p:cTn fill="hold" nodeType="withEffect" presetClass="entr" presetID="10" presetSubtype="0">
-                                  <p:stCondLst>
-                                    <p:cond delay="0"/>
-                                  </p:stCondLst>
-                                  <p:childTnLst>
-                                    <p:set>
-                                      <p:cBhvr>
-                                        <p:cTn dur="1" fill="hold">
-                                          <p:stCondLst>
-                                            <p:cond delay="0"/>
-                                          </p:stCondLst>
-                                        </p:cTn>
-                                        <p:tgtEl>
-                                          <p:spTgt spid="134"/>
-                                        </p:tgtEl>
-                                        <p:attrNameLst>
-                                          <p:attrName>style.visibility</p:attrName>
-                                        </p:attrNameLst>
-                                      </p:cBhvr>
-                                      <p:to>
-                                        <p:strVal val="visible"/>
-                                      </p:to>
-                                    </p:set>
-                                    <p:animEffect filter="fade" transition="in">
-                                      <p:cBhvr>
-                                        <p:cTn dur="500"/>
-                                        <p:tgtEl>
-                                          <p:spTgt spid="134"/>
-                                        </p:tgtEl>
-                                      </p:cBhvr>
-                                    </p:animEffect>
-                                  </p:childTnLst>
-                                </p:cTn>
-                              </p:par>
-                            </p:childTnLst>
-                          </p:cTn>
-                        </p:par>
-                      </p:childTnLst>
-                    </p:cTn>
-                  </p:par>
-                </p:childTnLst>
-              </p:cTn>
-              <p:prevCondLst>
-                <p:cond evt="onPrev">
-                  <p:tgtEl>
-                    <p:sldTgt/>
-                  </p:tgtEl>
-                </p:cond>
-              </p:prevCondLst>
-              <p:nextCondLst>
-                <p:cond evt="onNext">
-                  <p:tgtEl>
-                    <p:sldTgt/>
-                  </p:tgtEl>
-                </p:cond>
-              </p:nextCondLst>
-            </p:seq>
-          </p:childTnLst>
-        </p:cTn>
-      </p:par>
-    </p:tnLst>
-  </p:timing>
-</p:sld>
-</file>
-
-<file path=ppt/slides/slide6.xml><?xml version="1.0" encoding="utf-8"?>
-<p:sld xmlns:a="http://schemas.openxmlformats.org/drawingml/2006/main" xmlns:r="http://schemas.openxmlformats.org/officeDocument/2006/relationships" xmlns:mc="http://schemas.openxmlformats.org/markup-compatibility/2006" xmlns:mv="urn:schemas-microsoft-com:mac:vml" xmlns:p="http://schemas.openxmlformats.org/presentationml/2006/main" xmlns:c="http://schemas.openxmlformats.org/drawingml/2006/chart" xmlns:dgm="http://schemas.openxmlformats.org/drawingml/2006/diagram" xmlns:o="urn:schemas-microsoft-com:office:office" xmlns:v="urn:schemas-microsoft-com:vml" xmlns:pvml="urn:schemas-microsoft-com:office:powerpoint" xmlns:com="http://schemas.openxmlformats.org/drawingml/2006/compatibility" xmlns:p14="http://schemas.microsoft.com/office/powerpoint/2010/main" xmlns:p15="http://schemas.microsoft.com/office/powerpoint/2012/main" xmlns:ahyp="http://schemas.microsoft.com/office/drawing/2018/hyperlinkcolor">
-  <p:cSld>
-    <p:spTree>
-      <p:nvGrpSpPr>
-        <p:cNvPr id="138" name="Shape 138"/>
-        <p:cNvGrpSpPr/>
-        <p:nvPr/>
-      </p:nvGrpSpPr>
-      <p:grpSpPr>
-        <a:xfrm>
-          <a:off x="0" y="0"/>
-          <a:ext cx="0" cy="0"/>
-          <a:chOff x="0" y="0"/>
-          <a:chExt cx="0" cy="0"/>
-        </a:xfrm>
-      </p:grpSpPr>
-      <p:sp>
-        <p:nvSpPr>
-          <p:cNvPr id="139" name="Google Shape;139;p5"/>
+          <p:cNvPr id="130" name="Google Shape;130;p5"/>
           <p:cNvSpPr txBox="1"/>
           <p:nvPr/>
         </p:nvSpPr>
@@ -17484,7 +18258,7 @@
       </p:sp>
       <p:pic>
         <p:nvPicPr>
-          <p:cNvPr descr="EscuelaIT Duoc UC - Escuela de Informática y Telecomunicaciones Duoc UC - Duoc  UC | LinkedIn" id="140" name="Google Shape;140;p5"/>
+          <p:cNvPr descr="EscuelaIT Duoc UC - Escuela de Informática y Telecomunicaciones Duoc UC - Duoc  UC | LinkedIn" id="131" name="Google Shape;131;p5"/>
           <p:cNvPicPr preferRelativeResize="0"/>
           <p:nvPr/>
         </p:nvPicPr>
@@ -17511,7 +18285,7 @@
       </p:pic>
       <p:sp>
         <p:nvSpPr>
-          <p:cNvPr id="141" name="Google Shape;141;p5"/>
+          <p:cNvPr id="132" name="Google Shape;132;p5"/>
           <p:cNvSpPr txBox="1"/>
           <p:nvPr/>
         </p:nvSpPr>
@@ -17559,42 +18333,16 @@
           </a:p>
         </p:txBody>
       </p:sp>
-      <p:cxnSp>
-        <p:nvCxnSpPr>
-          <p:cNvPr id="142" name="Google Shape;142;p5"/>
-          <p:cNvCxnSpPr/>
-          <p:nvPr/>
-        </p:nvCxnSpPr>
-        <p:spPr>
-          <a:xfrm>
-            <a:off x="0" y="758027"/>
-            <a:ext cx="4085617" cy="0"/>
-          </a:xfrm>
-          <a:prstGeom prst="straightConnector1">
-            <a:avLst/>
-          </a:prstGeom>
-          <a:noFill/>
-          <a:ln cap="flat" cmpd="sng" w="15875">
-            <a:solidFill>
-              <a:srgbClr val="F5F7FC"/>
-            </a:solidFill>
-            <a:prstDash val="solid"/>
-            <a:miter lim="800000"/>
-            <a:headEnd len="sm" w="sm" type="none"/>
-            <a:tailEnd len="sm" w="sm" type="none"/>
-          </a:ln>
-        </p:spPr>
-      </p:cxnSp>
       <p:sp>
         <p:nvSpPr>
-          <p:cNvPr id="143" name="Google Shape;143;p5"/>
+          <p:cNvPr id="133" name="Google Shape;133;p5"/>
           <p:cNvSpPr txBox="1"/>
           <p:nvPr/>
         </p:nvSpPr>
         <p:spPr>
           <a:xfrm>
             <a:off x="785825" y="2002950"/>
-            <a:ext cx="10287000" cy="3370800"/>
+            <a:ext cx="10287000" cy="4079100"/>
           </a:xfrm>
           <a:prstGeom prst="rect">
             <a:avLst/>
@@ -17671,7 +18419,7 @@
                 <a:cs typeface="Calibri"/>
                 <a:sym typeface="Calibri"/>
               </a:rPr>
-              <a:t>Permitirá la gestión de equipos mediante una app móvil.</a:t>
+              <a:t>Permitirá usar, reportar y obtener información de equipos mediante una aplicación web progresiva.</a:t>
             </a:r>
             <a:endParaRPr sz="2300">
               <a:solidFill>
@@ -17708,7 +18456,44 @@
                 <a:cs typeface="Calibri"/>
                 <a:sym typeface="Calibri"/>
               </a:rPr>
-              <a:t>Permitirá la gestión de usuarios mediante una plataforma web</a:t>
+              <a:t>Permitirá la gestión de equipos mediante una plataforma web.</a:t>
+            </a:r>
+            <a:endParaRPr sz="2300">
+              <a:solidFill>
+                <a:schemeClr val="dk1"/>
+              </a:solidFill>
+              <a:latin typeface="Calibri"/>
+              <a:ea typeface="Calibri"/>
+              <a:cs typeface="Calibri"/>
+              <a:sym typeface="Calibri"/>
+            </a:endParaRPr>
+          </a:p>
+          <a:p>
+            <a:pPr indent="-374650" lvl="0" marL="457200" rtl="0" algn="l">
+              <a:spcBef>
+                <a:spcPts val="0"/>
+              </a:spcBef>
+              <a:spcAft>
+                <a:spcPts val="0"/>
+              </a:spcAft>
+              <a:buClr>
+                <a:schemeClr val="dk1"/>
+              </a:buClr>
+              <a:buSzPts val="2300"/>
+              <a:buFont typeface="Calibri"/>
+              <a:buChar char="-"/>
+            </a:pPr>
+            <a:r>
+              <a:rPr lang="es-CL" sz="2300">
+                <a:solidFill>
+                  <a:schemeClr val="dk1"/>
+                </a:solidFill>
+                <a:latin typeface="Calibri"/>
+                <a:ea typeface="Calibri"/>
+                <a:cs typeface="Calibri"/>
+                <a:sym typeface="Calibri"/>
+              </a:rPr>
+              <a:t>Permitirá la gestión de usuarios mediante una plataforma web.</a:t>
             </a:r>
             <a:endParaRPr sz="2300">
               <a:solidFill>
@@ -17856,6 +18641,32 @@
           </a:p>
         </p:txBody>
       </p:sp>
+      <p:cxnSp>
+        <p:nvCxnSpPr>
+          <p:cNvPr id="134" name="Google Shape;134;p5"/>
+          <p:cNvCxnSpPr/>
+          <p:nvPr/>
+        </p:nvCxnSpPr>
+        <p:spPr>
+          <a:xfrm>
+            <a:off x="0" y="758027"/>
+            <a:ext cx="4085617" cy="0"/>
+          </a:xfrm>
+          <a:prstGeom prst="straightConnector1">
+            <a:avLst/>
+          </a:prstGeom>
+          <a:noFill/>
+          <a:ln cap="flat" cmpd="sng" w="15875">
+            <a:solidFill>
+              <a:srgbClr val="F5F7FC"/>
+            </a:solidFill>
+            <a:prstDash val="solid"/>
+            <a:miter lim="800000"/>
+            <a:headEnd len="sm" w="sm" type="none"/>
+            <a:tailEnd len="sm" w="sm" type="none"/>
+          </a:ln>
+        </p:spPr>
+      </p:cxnSp>
     </p:spTree>
   </p:cSld>
   <p:clrMapOvr>
@@ -17867,12 +18678,12 @@
 </p:sld>
 </file>
 
-<file path=ppt/slides/slide7.xml><?xml version="1.0" encoding="utf-8"?>
+<file path=ppt/slides/slide6.xml><?xml version="1.0" encoding="utf-8"?>
 <p:sld xmlns:a="http://schemas.openxmlformats.org/drawingml/2006/main" xmlns:r="http://schemas.openxmlformats.org/officeDocument/2006/relationships" xmlns:mc="http://schemas.openxmlformats.org/markup-compatibility/2006" xmlns:mv="urn:schemas-microsoft-com:mac:vml" xmlns:p="http://schemas.openxmlformats.org/presentationml/2006/main" xmlns:c="http://schemas.openxmlformats.org/drawingml/2006/chart" xmlns:dgm="http://schemas.openxmlformats.org/drawingml/2006/diagram" xmlns:o="urn:schemas-microsoft-com:office:office" xmlns:v="urn:schemas-microsoft-com:vml" xmlns:pvml="urn:schemas-microsoft-com:office:powerpoint" xmlns:com="http://schemas.openxmlformats.org/drawingml/2006/compatibility" xmlns:p14="http://schemas.microsoft.com/office/powerpoint/2010/main" xmlns:p15="http://schemas.microsoft.com/office/powerpoint/2012/main" xmlns:ahyp="http://schemas.microsoft.com/office/drawing/2018/hyperlinkcolor">
   <p:cSld>
     <p:spTree>
       <p:nvGrpSpPr>
-        <p:cNvPr id="147" name="Shape 147"/>
+        <p:cNvPr id="138" name="Shape 138"/>
         <p:cNvGrpSpPr/>
         <p:nvPr/>
       </p:nvGrpSpPr>
@@ -17886,7 +18697,7 @@
       </p:grpSpPr>
       <p:pic>
         <p:nvPicPr>
-          <p:cNvPr descr="EscuelaIT Duoc UC - Escuela de Informática y Telecomunicaciones Duoc UC - Duoc  UC | LinkedIn" id="148" name="Google Shape;148;p6"/>
+          <p:cNvPr descr="EscuelaIT Duoc UC - Escuela de Informática y Telecomunicaciones Duoc UC - Duoc  UC | LinkedIn" id="139" name="Google Shape;139;p6"/>
           <p:cNvPicPr preferRelativeResize="0"/>
           <p:nvPr/>
         </p:nvPicPr>
@@ -17913,7 +18724,7 @@
       </p:pic>
       <p:sp>
         <p:nvSpPr>
-          <p:cNvPr id="149" name="Google Shape;149;p6"/>
+          <p:cNvPr id="140" name="Google Shape;140;p6"/>
           <p:cNvSpPr txBox="1"/>
           <p:nvPr/>
         </p:nvSpPr>
@@ -17963,7 +18774,7 @@
       </p:sp>
       <p:sp>
         <p:nvSpPr>
-          <p:cNvPr id="150" name="Google Shape;150;p6"/>
+          <p:cNvPr id="141" name="Google Shape;141;p6"/>
           <p:cNvSpPr txBox="1"/>
           <p:nvPr/>
         </p:nvSpPr>
@@ -18021,7 +18832,7 @@
       </p:sp>
       <p:cxnSp>
         <p:nvCxnSpPr>
-          <p:cNvPr id="151" name="Google Shape;151;p6"/>
+          <p:cNvPr id="142" name="Google Shape;142;p6"/>
           <p:cNvCxnSpPr/>
           <p:nvPr/>
         </p:nvCxnSpPr>
@@ -18047,7 +18858,7 @@
       </p:cxnSp>
       <p:sp>
         <p:nvSpPr>
-          <p:cNvPr id="152" name="Google Shape;152;p6"/>
+          <p:cNvPr id="143" name="Google Shape;143;p6"/>
           <p:cNvSpPr txBox="1"/>
           <p:nvPr/>
         </p:nvSpPr>
@@ -18193,12 +19004,12 @@
 </p:sld>
 </file>
 
-<file path=ppt/slides/slide8.xml><?xml version="1.0" encoding="utf-8"?>
+<file path=ppt/slides/slide7.xml><?xml version="1.0" encoding="utf-8"?>
 <p:sld xmlns:a="http://schemas.openxmlformats.org/drawingml/2006/main" xmlns:r="http://schemas.openxmlformats.org/officeDocument/2006/relationships" xmlns:mc="http://schemas.openxmlformats.org/markup-compatibility/2006" xmlns:mv="urn:schemas-microsoft-com:mac:vml" xmlns:p="http://schemas.openxmlformats.org/presentationml/2006/main" xmlns:c="http://schemas.openxmlformats.org/drawingml/2006/chart" xmlns:dgm="http://schemas.openxmlformats.org/drawingml/2006/diagram" xmlns:o="urn:schemas-microsoft-com:office:office" xmlns:v="urn:schemas-microsoft-com:vml" xmlns:pvml="urn:schemas-microsoft-com:office:powerpoint" xmlns:com="http://schemas.openxmlformats.org/drawingml/2006/compatibility" xmlns:p14="http://schemas.microsoft.com/office/powerpoint/2010/main" xmlns:p15="http://schemas.microsoft.com/office/powerpoint/2012/main" xmlns:ahyp="http://schemas.microsoft.com/office/drawing/2018/hyperlinkcolor">
   <p:cSld>
     <p:spTree>
       <p:nvGrpSpPr>
-        <p:cNvPr id="156" name="Shape 156"/>
+        <p:cNvPr id="147" name="Shape 147"/>
         <p:cNvGrpSpPr/>
         <p:nvPr/>
       </p:nvGrpSpPr>
@@ -18212,7 +19023,7 @@
       </p:grpSpPr>
       <p:pic>
         <p:nvPicPr>
-          <p:cNvPr descr="EscuelaIT Duoc UC - Escuela de Informática y Telecomunicaciones Duoc UC - Duoc  UC | LinkedIn" id="157" name="Google Shape;157;g2fd26355c3f_1_11"/>
+          <p:cNvPr descr="EscuelaIT Duoc UC - Escuela de Informática y Telecomunicaciones Duoc UC - Duoc  UC | LinkedIn" id="148" name="Google Shape;148;g2fd26355c3f_1_11"/>
           <p:cNvPicPr preferRelativeResize="0"/>
           <p:nvPr/>
         </p:nvPicPr>
@@ -18239,7 +19050,7 @@
       </p:pic>
       <p:sp>
         <p:nvSpPr>
-          <p:cNvPr id="158" name="Google Shape;158;g2fd26355c3f_1_11"/>
+          <p:cNvPr id="149" name="Google Shape;149;g2fd26355c3f_1_11"/>
           <p:cNvSpPr txBox="1"/>
           <p:nvPr/>
         </p:nvSpPr>
@@ -18289,7 +19100,7 @@
       </p:sp>
       <p:sp>
         <p:nvSpPr>
-          <p:cNvPr id="159" name="Google Shape;159;g2fd26355c3f_1_11"/>
+          <p:cNvPr id="150" name="Google Shape;150;g2fd26355c3f_1_11"/>
           <p:cNvSpPr txBox="1"/>
           <p:nvPr/>
         </p:nvSpPr>
@@ -18347,7 +19158,7 @@
       </p:sp>
       <p:cxnSp>
         <p:nvCxnSpPr>
-          <p:cNvPr id="160" name="Google Shape;160;g2fd26355c3f_1_11"/>
+          <p:cNvPr id="151" name="Google Shape;151;g2fd26355c3f_1_11"/>
           <p:cNvCxnSpPr/>
           <p:nvPr/>
         </p:nvCxnSpPr>
@@ -18373,7 +19184,7 @@
       </p:cxnSp>
       <p:sp>
         <p:nvSpPr>
-          <p:cNvPr id="161" name="Google Shape;161;g2fd26355c3f_1_11"/>
+          <p:cNvPr id="152" name="Google Shape;152;g2fd26355c3f_1_11"/>
           <p:cNvSpPr txBox="1"/>
           <p:nvPr/>
         </p:nvSpPr>
@@ -18479,12 +19290,12 @@
 </p:sld>
 </file>
 
-<file path=ppt/slides/slide9.xml><?xml version="1.0" encoding="utf-8"?>
+<file path=ppt/slides/slide8.xml><?xml version="1.0" encoding="utf-8"?>
 <p:sld xmlns:a="http://schemas.openxmlformats.org/drawingml/2006/main" xmlns:r="http://schemas.openxmlformats.org/officeDocument/2006/relationships" xmlns:mc="http://schemas.openxmlformats.org/markup-compatibility/2006" xmlns:mv="urn:schemas-microsoft-com:mac:vml" xmlns:p="http://schemas.openxmlformats.org/presentationml/2006/main" xmlns:c="http://schemas.openxmlformats.org/drawingml/2006/chart" xmlns:dgm="http://schemas.openxmlformats.org/drawingml/2006/diagram" xmlns:o="urn:schemas-microsoft-com:office:office" xmlns:v="urn:schemas-microsoft-com:vml" xmlns:pvml="urn:schemas-microsoft-com:office:powerpoint" xmlns:com="http://schemas.openxmlformats.org/drawingml/2006/compatibility" xmlns:p14="http://schemas.microsoft.com/office/powerpoint/2010/main" xmlns:p15="http://schemas.microsoft.com/office/powerpoint/2012/main" xmlns:ahyp="http://schemas.microsoft.com/office/drawing/2018/hyperlinkcolor">
   <p:cSld>
     <p:spTree>
       <p:nvGrpSpPr>
-        <p:cNvPr id="165" name="Shape 165"/>
+        <p:cNvPr id="156" name="Shape 156"/>
         <p:cNvGrpSpPr/>
         <p:nvPr/>
       </p:nvGrpSpPr>
@@ -18498,7 +19309,7 @@
       </p:grpSpPr>
       <p:pic>
         <p:nvPicPr>
-          <p:cNvPr descr="EscuelaIT Duoc UC - Escuela de Informática y Telecomunicaciones Duoc UC - Duoc  UC | LinkedIn" id="166" name="Google Shape;166;p7"/>
+          <p:cNvPr descr="EscuelaIT Duoc UC - Escuela de Informática y Telecomunicaciones Duoc UC - Duoc  UC | LinkedIn" id="157" name="Google Shape;157;p7"/>
           <p:cNvPicPr preferRelativeResize="0"/>
           <p:nvPr/>
         </p:nvPicPr>
@@ -18525,7 +19336,7 @@
       </p:pic>
       <p:sp>
         <p:nvSpPr>
-          <p:cNvPr id="167" name="Google Shape;167;p7"/>
+          <p:cNvPr id="158" name="Google Shape;158;p7"/>
           <p:cNvSpPr txBox="1"/>
           <p:nvPr/>
         </p:nvSpPr>
@@ -18575,7 +19386,7 @@
       </p:sp>
       <p:sp>
         <p:nvSpPr>
-          <p:cNvPr id="168" name="Google Shape;168;p7"/>
+          <p:cNvPr id="159" name="Google Shape;159;p7"/>
           <p:cNvSpPr txBox="1"/>
           <p:nvPr/>
         </p:nvSpPr>
@@ -18633,7 +19444,7 @@
       </p:sp>
       <p:cxnSp>
         <p:nvCxnSpPr>
-          <p:cNvPr id="169" name="Google Shape;169;p7"/>
+          <p:cNvPr id="160" name="Google Shape;160;p7"/>
           <p:cNvCxnSpPr/>
           <p:nvPr/>
         </p:nvCxnSpPr>
@@ -18659,7 +19470,7 @@
       </p:cxnSp>
       <p:pic>
         <p:nvPicPr>
-          <p:cNvPr id="170" name="Google Shape;170;p7"/>
+          <p:cNvPr id="161" name="Google Shape;161;p7"/>
           <p:cNvPicPr preferRelativeResize="0"/>
           <p:nvPr/>
         </p:nvPicPr>
@@ -18696,7 +19507,518 @@
 </p:sld>
 </file>
 
+<file path=ppt/slides/slide9.xml><?xml version="1.0" encoding="utf-8"?>
+<p:sld xmlns:a="http://schemas.openxmlformats.org/drawingml/2006/main" xmlns:r="http://schemas.openxmlformats.org/officeDocument/2006/relationships" xmlns:mc="http://schemas.openxmlformats.org/markup-compatibility/2006" xmlns:mv="urn:schemas-microsoft-com:mac:vml" xmlns:p="http://schemas.openxmlformats.org/presentationml/2006/main" xmlns:c="http://schemas.openxmlformats.org/drawingml/2006/chart" xmlns:dgm="http://schemas.openxmlformats.org/drawingml/2006/diagram" xmlns:o="urn:schemas-microsoft-com:office:office" xmlns:v="urn:schemas-microsoft-com:vml" xmlns:pvml="urn:schemas-microsoft-com:office:powerpoint" xmlns:com="http://schemas.openxmlformats.org/drawingml/2006/compatibility" xmlns:p14="http://schemas.microsoft.com/office/powerpoint/2010/main" xmlns:p15="http://schemas.microsoft.com/office/powerpoint/2012/main" xmlns:ahyp="http://schemas.microsoft.com/office/drawing/2018/hyperlinkcolor">
+  <p:cSld>
+    <p:spTree>
+      <p:nvGrpSpPr>
+        <p:cNvPr id="165" name="Shape 165"/>
+        <p:cNvGrpSpPr/>
+        <p:nvPr/>
+      </p:nvGrpSpPr>
+      <p:grpSpPr>
+        <a:xfrm>
+          <a:off x="0" y="0"/>
+          <a:ext cx="0" cy="0"/>
+          <a:chOff x="0" y="0"/>
+          <a:chExt cx="0" cy="0"/>
+        </a:xfrm>
+      </p:grpSpPr>
+      <p:pic>
+        <p:nvPicPr>
+          <p:cNvPr descr="EscuelaIT Duoc UC - Escuela de Informática y Telecomunicaciones Duoc UC - Duoc  UC | LinkedIn" id="166" name="Google Shape;166;p8"/>
+          <p:cNvPicPr preferRelativeResize="0"/>
+          <p:nvPr/>
+        </p:nvPicPr>
+        <p:blipFill rotWithShape="1">
+          <a:blip r:embed="rId3">
+            <a:alphaModFix/>
+          </a:blip>
+          <a:srcRect b="0" l="0" r="0" t="0"/>
+          <a:stretch/>
+        </p:blipFill>
+        <p:spPr>
+          <a:xfrm>
+            <a:off x="8772152" y="207550"/>
+            <a:ext cx="3141406" cy="785352"/>
+          </a:xfrm>
+          <a:prstGeom prst="rect">
+            <a:avLst/>
+          </a:prstGeom>
+          <a:noFill/>
+          <a:ln>
+            <a:noFill/>
+          </a:ln>
+        </p:spPr>
+      </p:pic>
+      <p:sp>
+        <p:nvSpPr>
+          <p:cNvPr id="167" name="Google Shape;167;p8"/>
+          <p:cNvSpPr txBox="1"/>
+          <p:nvPr/>
+        </p:nvSpPr>
+        <p:spPr>
+          <a:xfrm>
+            <a:off x="136188" y="368928"/>
+            <a:ext cx="12192000" cy="369300"/>
+          </a:xfrm>
+          <a:prstGeom prst="rect">
+            <a:avLst/>
+          </a:prstGeom>
+          <a:noFill/>
+          <a:ln>
+            <a:noFill/>
+          </a:ln>
+        </p:spPr>
+        <p:txBody>
+          <a:bodyPr anchorCtr="0" anchor="t" bIns="45700" lIns="91425" spcFirstLastPara="1" rIns="91425" wrap="square" tIns="45700">
+            <a:spAutoFit/>
+          </a:bodyPr>
+          <a:lstStyle/>
+          <a:p>
+            <a:pPr indent="0" lvl="0" marL="0" marR="0" rtl="0" algn="l">
+              <a:spcBef>
+                <a:spcPts val="0"/>
+              </a:spcBef>
+              <a:spcAft>
+                <a:spcPts val="0"/>
+              </a:spcAft>
+              <a:buNone/>
+            </a:pPr>
+            <a:r>
+              <a:rPr lang="es-CL" sz="1800">
+                <a:solidFill>
+                  <a:srgbClr val="757070"/>
+                </a:solidFill>
+                <a:latin typeface="Calibri"/>
+                <a:ea typeface="Calibri"/>
+                <a:cs typeface="Calibri"/>
+                <a:sym typeface="Calibri"/>
+              </a:rPr>
+              <a:t>PROYECTO “HIR”</a:t>
+            </a:r>
+            <a:endParaRPr/>
+          </a:p>
+        </p:txBody>
+      </p:sp>
+      <p:cxnSp>
+        <p:nvCxnSpPr>
+          <p:cNvPr id="168" name="Google Shape;168;p8"/>
+          <p:cNvCxnSpPr/>
+          <p:nvPr/>
+        </p:nvCxnSpPr>
+        <p:spPr>
+          <a:xfrm>
+            <a:off x="0" y="758027"/>
+            <a:ext cx="4085617" cy="0"/>
+          </a:xfrm>
+          <a:prstGeom prst="straightConnector1">
+            <a:avLst/>
+          </a:prstGeom>
+          <a:noFill/>
+          <a:ln cap="flat" cmpd="sng" w="15875">
+            <a:solidFill>
+              <a:srgbClr val="F5F7FC"/>
+            </a:solidFill>
+            <a:prstDash val="solid"/>
+            <a:miter lim="800000"/>
+            <a:headEnd len="sm" w="sm" type="none"/>
+            <a:tailEnd len="sm" w="sm" type="none"/>
+          </a:ln>
+        </p:spPr>
+      </p:cxnSp>
+      <p:pic>
+        <p:nvPicPr>
+          <p:cNvPr id="169" name="Google Shape;169;p8"/>
+          <p:cNvPicPr preferRelativeResize="0"/>
+          <p:nvPr/>
+        </p:nvPicPr>
+        <p:blipFill>
+          <a:blip r:embed="rId4">
+            <a:alphaModFix/>
+          </a:blip>
+          <a:stretch>
+            <a:fillRect/>
+          </a:stretch>
+        </p:blipFill>
+        <p:spPr>
+          <a:xfrm>
+            <a:off x="152400" y="2200608"/>
+            <a:ext cx="11887199" cy="4360011"/>
+          </a:xfrm>
+          <a:prstGeom prst="rect">
+            <a:avLst/>
+          </a:prstGeom>
+          <a:noFill/>
+          <a:ln>
+            <a:noFill/>
+          </a:ln>
+        </p:spPr>
+      </p:pic>
+      <p:sp>
+        <p:nvSpPr>
+          <p:cNvPr id="170" name="Google Shape;170;p8"/>
+          <p:cNvSpPr txBox="1"/>
+          <p:nvPr/>
+        </p:nvSpPr>
+        <p:spPr>
+          <a:xfrm>
+            <a:off x="1" y="1155656"/>
+            <a:ext cx="12192000" cy="800400"/>
+          </a:xfrm>
+          <a:prstGeom prst="rect">
+            <a:avLst/>
+          </a:prstGeom>
+          <a:noFill/>
+          <a:ln>
+            <a:noFill/>
+          </a:ln>
+        </p:spPr>
+        <p:txBody>
+          <a:bodyPr anchorCtr="0" anchor="t" bIns="45700" lIns="91425" spcFirstLastPara="1" rIns="91425" wrap="square" tIns="45700">
+            <a:spAutoFit/>
+          </a:bodyPr>
+          <a:lstStyle/>
+          <a:p>
+            <a:pPr indent="0" lvl="0" marL="0" marR="0" rtl="0" algn="ctr">
+              <a:spcBef>
+                <a:spcPts val="0"/>
+              </a:spcBef>
+              <a:spcAft>
+                <a:spcPts val="0"/>
+              </a:spcAft>
+              <a:buNone/>
+            </a:pPr>
+            <a:r>
+              <a:rPr lang="es-CL" sz="3600">
+                <a:solidFill>
+                  <a:schemeClr val="dk1"/>
+                </a:solidFill>
+                <a:latin typeface="Calibri"/>
+                <a:ea typeface="Calibri"/>
+                <a:cs typeface="Calibri"/>
+                <a:sym typeface="Calibri"/>
+              </a:rPr>
+              <a:t>Cronograma para el desarrollo del proyecto</a:t>
+            </a:r>
+            <a:endParaRPr/>
+          </a:p>
+          <a:p>
+            <a:pPr indent="0" lvl="0" marL="0" marR="0" rtl="0" algn="ctr">
+              <a:spcBef>
+                <a:spcPts val="0"/>
+              </a:spcBef>
+              <a:spcAft>
+                <a:spcPts val="0"/>
+              </a:spcAft>
+              <a:buNone/>
+            </a:pPr>
+            <a:r>
+              <a:t/>
+            </a:r>
+            <a:endParaRPr sz="1000">
+              <a:solidFill>
+                <a:srgbClr val="757070"/>
+              </a:solidFill>
+              <a:latin typeface="Calibri"/>
+              <a:ea typeface="Calibri"/>
+              <a:cs typeface="Calibri"/>
+              <a:sym typeface="Calibri"/>
+            </a:endParaRPr>
+          </a:p>
+        </p:txBody>
+      </p:sp>
+    </p:spTree>
+  </p:cSld>
+  <p:clrMapOvr>
+    <a:masterClrMapping/>
+  </p:clrMapOvr>
+  <p:transition spd="slow">
+    <p:wipe dir="l"/>
+  </p:transition>
+</p:sld>
+</file>
+
 <file path=ppt/theme/theme1.xml><?xml version="1.0" encoding="utf-8"?>
+<a:theme xmlns:a="http://schemas.openxmlformats.org/drawingml/2006/main" xmlns:r="http://schemas.openxmlformats.org/officeDocument/2006/relationships" name="Tema de Office">
+  <a:themeElements>
+    <a:clrScheme name="Office">
+      <a:dk1>
+        <a:srgbClr val="000000"/>
+      </a:dk1>
+      <a:lt1>
+        <a:srgbClr val="FFFFFF"/>
+      </a:lt1>
+      <a:dk2>
+        <a:srgbClr val="44546A"/>
+      </a:dk2>
+      <a:lt2>
+        <a:srgbClr val="E7E6E6"/>
+      </a:lt2>
+      <a:accent1>
+        <a:srgbClr val="4472C4"/>
+      </a:accent1>
+      <a:accent2>
+        <a:srgbClr val="ED7D31"/>
+      </a:accent2>
+      <a:accent3>
+        <a:srgbClr val="A5A5A5"/>
+      </a:accent3>
+      <a:accent4>
+        <a:srgbClr val="FFC000"/>
+      </a:accent4>
+      <a:accent5>
+        <a:srgbClr val="5B9BD5"/>
+      </a:accent5>
+      <a:accent6>
+        <a:srgbClr val="70AD47"/>
+      </a:accent6>
+      <a:hlink>
+        <a:srgbClr val="0563C1"/>
+      </a:hlink>
+      <a:folHlink>
+        <a:srgbClr val="954F72"/>
+      </a:folHlink>
+    </a:clrScheme>
+    <a:fontScheme name="Office">
+      <a:majorFont>
+        <a:latin typeface="Arial"/>
+        <a:ea typeface=""/>
+        <a:cs typeface=""/>
+        <a:font script="Jpan" typeface="ＭＳ Ｐゴシック"/>
+        <a:font script="Hang" typeface="맑은 고딕"/>
+        <a:font script="Hans" typeface="宋体"/>
+        <a:font script="Hant" typeface="新細明體"/>
+        <a:font script="Arab" typeface="Times New Roman"/>
+        <a:font script="Hebr" typeface="Times New Roman"/>
+        <a:font script="Thai" typeface="Angsana New"/>
+        <a:font script="Ethi" typeface="Nyala"/>
+        <a:font script="Beng" typeface="Vrinda"/>
+        <a:font script="Gujr" typeface="Shruti"/>
+        <a:font script="Khmr" typeface="MoolBoran"/>
+        <a:font script="Knda" typeface="Tunga"/>
+        <a:font script="Guru" typeface="Raavi"/>
+        <a:font script="Cans" typeface="Euphemia"/>
+        <a:font script="Cher" typeface="Plantagenet Cherokee"/>
+        <a:font script="Yiii" typeface="Microsoft Yi Baiti"/>
+        <a:font script="Tibt" typeface="Microsoft Himalaya"/>
+        <a:font script="Thaa" typeface="MV Boli"/>
+        <a:font script="Deva" typeface="Mangal"/>
+        <a:font script="Telu" typeface="Gautami"/>
+        <a:font script="Taml" typeface="Latha"/>
+        <a:font script="Syrc" typeface="Estrangelo Edessa"/>
+        <a:font script="Orya" typeface="Kalinga"/>
+        <a:font script="Mlym" typeface="Kartika"/>
+        <a:font script="Laoo" typeface="DokChampa"/>
+        <a:font script="Sinh" typeface="Iskoola Pota"/>
+        <a:font script="Mong" typeface="Mongolian Baiti"/>
+        <a:font script="Viet" typeface="Times New Roman"/>
+        <a:font script="Uigh" typeface="Microsoft Uighur"/>
+        <a:font script="Geor" typeface="Sylfaen"/>
+      </a:majorFont>
+      <a:minorFont>
+        <a:latin typeface="Arial"/>
+        <a:ea typeface=""/>
+        <a:cs typeface=""/>
+        <a:font script="Jpan" typeface="ＭＳ Ｐゴシック"/>
+        <a:font script="Hang" typeface="맑은 고딕"/>
+        <a:font script="Hans" typeface="宋体"/>
+        <a:font script="Hant" typeface="新細明體"/>
+        <a:font script="Arab" typeface="Arial"/>
+        <a:font script="Hebr" typeface="Arial"/>
+        <a:font script="Thai" typeface="Cordia New"/>
+        <a:font script="Ethi" typeface="Nyala"/>
+        <a:font script="Beng" typeface="Vrinda"/>
+        <a:font script="Gujr" typeface="Shruti"/>
+        <a:font script="Khmr" typeface="DaunPenh"/>
+        <a:font script="Knda" typeface="Tunga"/>
+        <a:font script="Guru" typeface="Raavi"/>
+        <a:font script="Cans" typeface="Euphemia"/>
+        <a:font script="Cher" typeface="Plantagenet Cherokee"/>
+        <a:font script="Yiii" typeface="Microsoft Yi Baiti"/>
+        <a:font script="Tibt" typeface="Microsoft Himalaya"/>
+        <a:font script="Thaa" typeface="MV Boli"/>
+        <a:font script="Deva" typeface="Mangal"/>
+        <a:font script="Telu" typeface="Gautami"/>
+        <a:font script="Taml" typeface="Latha"/>
+        <a:font script="Syrc" typeface="Estrangelo Edessa"/>
+        <a:font script="Orya" typeface="Kalinga"/>
+        <a:font script="Mlym" typeface="Kartika"/>
+        <a:font script="Laoo" typeface="DokChampa"/>
+        <a:font script="Sinh" typeface="Iskoola Pota"/>
+        <a:font script="Mong" typeface="Mongolian Baiti"/>
+        <a:font script="Viet" typeface="Arial"/>
+        <a:font script="Uigh" typeface="Microsoft Uighur"/>
+        <a:font script="Geor" typeface="Sylfaen"/>
+      </a:minorFont>
+    </a:fontScheme>
+    <a:fmtScheme name="Office">
+      <a:fillStyleLst>
+        <a:solidFill>
+          <a:schemeClr val="phClr"/>
+        </a:solidFill>
+        <a:gradFill rotWithShape="1">
+          <a:gsLst>
+            <a:gs pos="0">
+              <a:schemeClr val="phClr">
+                <a:tint val="50000"/>
+                <a:satMod val="300000"/>
+              </a:schemeClr>
+            </a:gs>
+            <a:gs pos="35000">
+              <a:schemeClr val="phClr">
+                <a:tint val="37000"/>
+                <a:satMod val="300000"/>
+              </a:schemeClr>
+            </a:gs>
+            <a:gs pos="100000">
+              <a:schemeClr val="phClr">
+                <a:tint val="15000"/>
+                <a:satMod val="350000"/>
+              </a:schemeClr>
+            </a:gs>
+          </a:gsLst>
+          <a:lin ang="16200000" scaled="1"/>
+        </a:gradFill>
+        <a:gradFill rotWithShape="1">
+          <a:gsLst>
+            <a:gs pos="0">
+              <a:schemeClr val="phClr">
+                <a:tint val="100000"/>
+                <a:shade val="100000"/>
+                <a:satMod val="130000"/>
+              </a:schemeClr>
+            </a:gs>
+            <a:gs pos="100000">
+              <a:schemeClr val="phClr">
+                <a:tint val="50000"/>
+                <a:shade val="100000"/>
+                <a:satMod val="350000"/>
+              </a:schemeClr>
+            </a:gs>
+          </a:gsLst>
+          <a:lin ang="16200000" scaled="0"/>
+        </a:gradFill>
+      </a:fillStyleLst>
+      <a:lnStyleLst>
+        <a:ln w="9525" cap="flat" cmpd="sng" algn="ctr">
+          <a:solidFill>
+            <a:schemeClr val="phClr">
+              <a:shade val="95000"/>
+              <a:satMod val="105000"/>
+            </a:schemeClr>
+          </a:solidFill>
+          <a:prstDash val="solid"/>
+        </a:ln>
+        <a:ln w="25400" cap="flat" cmpd="sng" algn="ctr">
+          <a:solidFill>
+            <a:schemeClr val="phClr"/>
+          </a:solidFill>
+          <a:prstDash val="solid"/>
+        </a:ln>
+        <a:ln w="38100" cap="flat" cmpd="sng" algn="ctr">
+          <a:solidFill>
+            <a:schemeClr val="phClr"/>
+          </a:solidFill>
+          <a:prstDash val="solid"/>
+        </a:ln>
+      </a:lnStyleLst>
+      <a:effectStyleLst>
+        <a:effectStyle>
+          <a:effectLst>
+            <a:outerShdw blurRad="40000" dist="20000" dir="5400000" rotWithShape="0">
+              <a:srgbClr val="000000">
+                <a:alpha val="38000"/>
+              </a:srgbClr>
+            </a:outerShdw>
+          </a:effectLst>
+        </a:effectStyle>
+        <a:effectStyle>
+          <a:effectLst>
+            <a:outerShdw blurRad="40000" dist="23000" dir="5400000" rotWithShape="0">
+              <a:srgbClr val="000000">
+                <a:alpha val="35000"/>
+              </a:srgbClr>
+            </a:outerShdw>
+          </a:effectLst>
+        </a:effectStyle>
+        <a:effectStyle>
+          <a:effectLst>
+            <a:outerShdw blurRad="40000" dist="23000" dir="5400000" rotWithShape="0">
+              <a:srgbClr val="000000">
+                <a:alpha val="35000"/>
+              </a:srgbClr>
+            </a:outerShdw>
+          </a:effectLst>
+          <a:scene3d>
+            <a:camera prst="orthographicFront">
+              <a:rot lat="0" lon="0" rev="0"/>
+            </a:camera>
+            <a:lightRig rig="threePt" dir="t">
+              <a:rot lat="0" lon="0" rev="1200000"/>
+            </a:lightRig>
+          </a:scene3d>
+          <a:sp3d>
+            <a:bevelT w="63500" h="25400"/>
+          </a:sp3d>
+        </a:effectStyle>
+      </a:effectStyleLst>
+      <a:bgFillStyleLst>
+        <a:solidFill>
+          <a:schemeClr val="phClr"/>
+        </a:solidFill>
+        <a:gradFill rotWithShape="1">
+          <a:gsLst>
+            <a:gs pos="0">
+              <a:schemeClr val="phClr">
+                <a:tint val="40000"/>
+                <a:satMod val="350000"/>
+              </a:schemeClr>
+            </a:gs>
+            <a:gs pos="40000">
+              <a:schemeClr val="phClr">
+                <a:tint val="45000"/>
+                <a:shade val="99000"/>
+                <a:satMod val="350000"/>
+              </a:schemeClr>
+            </a:gs>
+            <a:gs pos="100000">
+              <a:schemeClr val="phClr">
+                <a:shade val="20000"/>
+                <a:satMod val="255000"/>
+              </a:schemeClr>
+            </a:gs>
+          </a:gsLst>
+          <a:path path="circle">
+            <a:fillToRect l="50000" t="-80000" r="50000" b="180000"/>
+          </a:path>
+        </a:gradFill>
+        <a:gradFill rotWithShape="1">
+          <a:gsLst>
+            <a:gs pos="0">
+              <a:schemeClr val="phClr">
+                <a:tint val="80000"/>
+                <a:satMod val="300000"/>
+              </a:schemeClr>
+            </a:gs>
+            <a:gs pos="100000">
+              <a:schemeClr val="phClr">
+                <a:shade val="30000"/>
+                <a:satMod val="200000"/>
+              </a:schemeClr>
+            </a:gs>
+          </a:gsLst>
+          <a:path path="circle">
+            <a:fillToRect l="50000" t="50000" r="50000" b="50000"/>
+          </a:path>
+        </a:gradFill>
+      </a:bgFillStyleLst>
+    </a:fmtScheme>
+  </a:themeElements>
+</a:theme>
+</file>
+
+<file path=ppt/theme/theme2.xml><?xml version="1.0" encoding="utf-8"?>
 <a:theme xmlns:a="http://schemas.openxmlformats.org/drawingml/2006/main" xmlns:r="http://schemas.openxmlformats.org/officeDocument/2006/relationships">
   <a:themeElements>
     <a:clrScheme name="Default">
@@ -18973,283 +20295,4 @@
     </a:fmtScheme>
   </a:themeElements>
 </a:theme>
-</file>
-
-<file path=ppt/theme/theme2.xml><?xml version="1.0" encoding="utf-8"?>
-<a:theme xmlns:a="http://schemas.openxmlformats.org/drawingml/2006/main" xmlns:r="http://schemas.openxmlformats.org/officeDocument/2006/relationships" name="Tema de Office">
-  <a:themeElements>
-    <a:clrScheme name="Office">
-      <a:dk1>
-        <a:srgbClr val="000000"/>
-      </a:dk1>
-      <a:lt1>
-        <a:srgbClr val="FFFFFF"/>
-      </a:lt1>
-      <a:dk2>
-        <a:srgbClr val="44546A"/>
-      </a:dk2>
-      <a:lt2>
-        <a:srgbClr val="E7E6E6"/>
-      </a:lt2>
-      <a:accent1>
-        <a:srgbClr val="4472C4"/>
-      </a:accent1>
-      <a:accent2>
-        <a:srgbClr val="ED7D31"/>
-      </a:accent2>
-      <a:accent3>
-        <a:srgbClr val="A5A5A5"/>
-      </a:accent3>
-      <a:accent4>
-        <a:srgbClr val="FFC000"/>
-      </a:accent4>
-      <a:accent5>
-        <a:srgbClr val="5B9BD5"/>
-      </a:accent5>
-      <a:accent6>
-        <a:srgbClr val="70AD47"/>
-      </a:accent6>
-      <a:hlink>
-        <a:srgbClr val="0563C1"/>
-      </a:hlink>
-      <a:folHlink>
-        <a:srgbClr val="954F72"/>
-      </a:folHlink>
-    </a:clrScheme>
-    <a:fontScheme name="Office">
-      <a:majorFont>
-        <a:latin typeface="Arial"/>
-        <a:ea typeface=""/>
-        <a:cs typeface=""/>
-        <a:font script="Jpan" typeface="ＭＳ Ｐゴシック"/>
-        <a:font script="Hang" typeface="맑은 고딕"/>
-        <a:font script="Hans" typeface="宋体"/>
-        <a:font script="Hant" typeface="新細明體"/>
-        <a:font script="Arab" typeface="Times New Roman"/>
-        <a:font script="Hebr" typeface="Times New Roman"/>
-        <a:font script="Thai" typeface="Angsana New"/>
-        <a:font script="Ethi" typeface="Nyala"/>
-        <a:font script="Beng" typeface="Vrinda"/>
-        <a:font script="Gujr" typeface="Shruti"/>
-        <a:font script="Khmr" typeface="MoolBoran"/>
-        <a:font script="Knda" typeface="Tunga"/>
-        <a:font script="Guru" typeface="Raavi"/>
-        <a:font script="Cans" typeface="Euphemia"/>
-        <a:font script="Cher" typeface="Plantagenet Cherokee"/>
-        <a:font script="Yiii" typeface="Microsoft Yi Baiti"/>
-        <a:font script="Tibt" typeface="Microsoft Himalaya"/>
-        <a:font script="Thaa" typeface="MV Boli"/>
-        <a:font script="Deva" typeface="Mangal"/>
-        <a:font script="Telu" typeface="Gautami"/>
-        <a:font script="Taml" typeface="Latha"/>
-        <a:font script="Syrc" typeface="Estrangelo Edessa"/>
-        <a:font script="Orya" typeface="Kalinga"/>
-        <a:font script="Mlym" typeface="Kartika"/>
-        <a:font script="Laoo" typeface="DokChampa"/>
-        <a:font script="Sinh" typeface="Iskoola Pota"/>
-        <a:font script="Mong" typeface="Mongolian Baiti"/>
-        <a:font script="Viet" typeface="Times New Roman"/>
-        <a:font script="Uigh" typeface="Microsoft Uighur"/>
-        <a:font script="Geor" typeface="Sylfaen"/>
-      </a:majorFont>
-      <a:minorFont>
-        <a:latin typeface="Arial"/>
-        <a:ea typeface=""/>
-        <a:cs typeface=""/>
-        <a:font script="Jpan" typeface="ＭＳ Ｐゴシック"/>
-        <a:font script="Hang" typeface="맑은 고딕"/>
-        <a:font script="Hans" typeface="宋体"/>
-        <a:font script="Hant" typeface="新細明體"/>
-        <a:font script="Arab" typeface="Arial"/>
-        <a:font script="Hebr" typeface="Arial"/>
-        <a:font script="Thai" typeface="Cordia New"/>
-        <a:font script="Ethi" typeface="Nyala"/>
-        <a:font script="Beng" typeface="Vrinda"/>
-        <a:font script="Gujr" typeface="Shruti"/>
-        <a:font script="Khmr" typeface="DaunPenh"/>
-        <a:font script="Knda" typeface="Tunga"/>
-        <a:font script="Guru" typeface="Raavi"/>
-        <a:font script="Cans" typeface="Euphemia"/>
-        <a:font script="Cher" typeface="Plantagenet Cherokee"/>
-        <a:font script="Yiii" typeface="Microsoft Yi Baiti"/>
-        <a:font script="Tibt" typeface="Microsoft Himalaya"/>
-        <a:font script="Thaa" typeface="MV Boli"/>
-        <a:font script="Deva" typeface="Mangal"/>
-        <a:font script="Telu" typeface="Gautami"/>
-        <a:font script="Taml" typeface="Latha"/>
-        <a:font script="Syrc" typeface="Estrangelo Edessa"/>
-        <a:font script="Orya" typeface="Kalinga"/>
-        <a:font script="Mlym" typeface="Kartika"/>
-        <a:font script="Laoo" typeface="DokChampa"/>
-        <a:font script="Sinh" typeface="Iskoola Pota"/>
-        <a:font script="Mong" typeface="Mongolian Baiti"/>
-        <a:font script="Viet" typeface="Arial"/>
-        <a:font script="Uigh" typeface="Microsoft Uighur"/>
-        <a:font script="Geor" typeface="Sylfaen"/>
-      </a:minorFont>
-    </a:fontScheme>
-    <a:fmtScheme name="Office">
-      <a:fillStyleLst>
-        <a:solidFill>
-          <a:schemeClr val="phClr"/>
-        </a:solidFill>
-        <a:gradFill rotWithShape="1">
-          <a:gsLst>
-            <a:gs pos="0">
-              <a:schemeClr val="phClr">
-                <a:tint val="50000"/>
-                <a:satMod val="300000"/>
-              </a:schemeClr>
-            </a:gs>
-            <a:gs pos="35000">
-              <a:schemeClr val="phClr">
-                <a:tint val="37000"/>
-                <a:satMod val="300000"/>
-              </a:schemeClr>
-            </a:gs>
-            <a:gs pos="100000">
-              <a:schemeClr val="phClr">
-                <a:tint val="15000"/>
-                <a:satMod val="350000"/>
-              </a:schemeClr>
-            </a:gs>
-          </a:gsLst>
-          <a:lin ang="16200000" scaled="1"/>
-        </a:gradFill>
-        <a:gradFill rotWithShape="1">
-          <a:gsLst>
-            <a:gs pos="0">
-              <a:schemeClr val="phClr">
-                <a:tint val="100000"/>
-                <a:shade val="100000"/>
-                <a:satMod val="130000"/>
-              </a:schemeClr>
-            </a:gs>
-            <a:gs pos="100000">
-              <a:schemeClr val="phClr">
-                <a:tint val="50000"/>
-                <a:shade val="100000"/>
-                <a:satMod val="350000"/>
-              </a:schemeClr>
-            </a:gs>
-          </a:gsLst>
-          <a:lin ang="16200000" scaled="0"/>
-        </a:gradFill>
-      </a:fillStyleLst>
-      <a:lnStyleLst>
-        <a:ln w="9525" cap="flat" cmpd="sng" algn="ctr">
-          <a:solidFill>
-            <a:schemeClr val="phClr">
-              <a:shade val="95000"/>
-              <a:satMod val="105000"/>
-            </a:schemeClr>
-          </a:solidFill>
-          <a:prstDash val="solid"/>
-        </a:ln>
-        <a:ln w="25400" cap="flat" cmpd="sng" algn="ctr">
-          <a:solidFill>
-            <a:schemeClr val="phClr"/>
-          </a:solidFill>
-          <a:prstDash val="solid"/>
-        </a:ln>
-        <a:ln w="38100" cap="flat" cmpd="sng" algn="ctr">
-          <a:solidFill>
-            <a:schemeClr val="phClr"/>
-          </a:solidFill>
-          <a:prstDash val="solid"/>
-        </a:ln>
-      </a:lnStyleLst>
-      <a:effectStyleLst>
-        <a:effectStyle>
-          <a:effectLst>
-            <a:outerShdw blurRad="40000" dist="20000" dir="5400000" rotWithShape="0">
-              <a:srgbClr val="000000">
-                <a:alpha val="38000"/>
-              </a:srgbClr>
-            </a:outerShdw>
-          </a:effectLst>
-        </a:effectStyle>
-        <a:effectStyle>
-          <a:effectLst>
-            <a:outerShdw blurRad="40000" dist="23000" dir="5400000" rotWithShape="0">
-              <a:srgbClr val="000000">
-                <a:alpha val="35000"/>
-              </a:srgbClr>
-            </a:outerShdw>
-          </a:effectLst>
-        </a:effectStyle>
-        <a:effectStyle>
-          <a:effectLst>
-            <a:outerShdw blurRad="40000" dist="23000" dir="5400000" rotWithShape="0">
-              <a:srgbClr val="000000">
-                <a:alpha val="35000"/>
-              </a:srgbClr>
-            </a:outerShdw>
-          </a:effectLst>
-          <a:scene3d>
-            <a:camera prst="orthographicFront">
-              <a:rot lat="0" lon="0" rev="0"/>
-            </a:camera>
-            <a:lightRig rig="threePt" dir="t">
-              <a:rot lat="0" lon="0" rev="1200000"/>
-            </a:lightRig>
-          </a:scene3d>
-          <a:sp3d>
-            <a:bevelT w="63500" h="25400"/>
-          </a:sp3d>
-        </a:effectStyle>
-      </a:effectStyleLst>
-      <a:bgFillStyleLst>
-        <a:solidFill>
-          <a:schemeClr val="phClr"/>
-        </a:solidFill>
-        <a:gradFill rotWithShape="1">
-          <a:gsLst>
-            <a:gs pos="0">
-              <a:schemeClr val="phClr">
-                <a:tint val="40000"/>
-                <a:satMod val="350000"/>
-              </a:schemeClr>
-            </a:gs>
-            <a:gs pos="40000">
-              <a:schemeClr val="phClr">
-                <a:tint val="45000"/>
-                <a:shade val="99000"/>
-                <a:satMod val="350000"/>
-              </a:schemeClr>
-            </a:gs>
-            <a:gs pos="100000">
-              <a:schemeClr val="phClr">
-                <a:shade val="20000"/>
-                <a:satMod val="255000"/>
-              </a:schemeClr>
-            </a:gs>
-          </a:gsLst>
-          <a:path path="circle">
-            <a:fillToRect l="50000" t="-80000" r="50000" b="180000"/>
-          </a:path>
-        </a:gradFill>
-        <a:gradFill rotWithShape="1">
-          <a:gsLst>
-            <a:gs pos="0">
-              <a:schemeClr val="phClr">
-                <a:tint val="80000"/>
-                <a:satMod val="300000"/>
-              </a:schemeClr>
-            </a:gs>
-            <a:gs pos="100000">
-              <a:schemeClr val="phClr">
-                <a:shade val="30000"/>
-                <a:satMod val="200000"/>
-              </a:schemeClr>
-            </a:gs>
-          </a:gsLst>
-          <a:path path="circle">
-            <a:fillToRect l="50000" t="50000" r="50000" b="50000"/>
-          </a:path>
-        </a:gradFill>
-      </a:bgFillStyleLst>
-    </a:fmtScheme>
-  </a:themeElements>
-</a:theme>
 </file>